--- a/DOC-20240829-WA0055.pptx
+++ b/DOC-20240829-WA0055.pptx
@@ -3601,15 +3601,91 @@
             </a:r>
             <a:r>
               <a:rPr dirty="0" sz="2400" lang="en-US"/>
+              <a:t> </a:t>
+            </a:r>
+            <a:r>
+              <a:rPr dirty="0" sz="2400" lang="en-US"/>
               <a:t>C</a:t>
             </a:r>
             <a:r>
               <a:rPr dirty="0" sz="2400" lang="en-US"/>
-              <a:t>.</a:t>
+              <a:t>O</a:t>
+            </a:r>
+            <a:r>
+              <a:rPr dirty="0" sz="2400" lang="en-US"/>
+              <a:t>R</a:t>
+            </a:r>
+            <a:r>
+              <a:rPr dirty="0" sz="2400" lang="en-US"/>
+              <a:t>P</a:t>
+            </a:r>
+            <a:r>
+              <a:rPr dirty="0" sz="2400" lang="en-US"/>
+              <a:t>O</a:t>
+            </a:r>
+            <a:r>
+              <a:rPr dirty="0" sz="2400" lang="en-US"/>
+              <a:t>R</a:t>
+            </a:r>
+            <a:r>
+              <a:rPr dirty="0" sz="2400" lang="en-US"/>
+              <a:t>ATE</a:t>
+            </a:r>
+            <a:r>
+              <a:rPr dirty="0" sz="2400" lang="en-US"/>
+              <a:t> </a:t>
             </a:r>
             <a:r>
               <a:rPr dirty="0" sz="2400" lang="en-US"/>
               <a:t>S</a:t>
+            </a:r>
+            <a:r>
+              <a:rPr dirty="0" sz="2400" lang="en-US"/>
+              <a:t>E</a:t>
+            </a:r>
+            <a:r>
+              <a:rPr dirty="0" sz="2400" lang="en-US"/>
+              <a:t>C</a:t>
+            </a:r>
+            <a:r>
+              <a:rPr dirty="0" sz="2400" lang="en-US"/>
+              <a:t>R</a:t>
+            </a:r>
+            <a:r>
+              <a:rPr dirty="0" sz="2400" lang="en-US"/>
+              <a:t>E</a:t>
+            </a:r>
+            <a:r>
+              <a:rPr dirty="0" sz="2400" lang="en-US"/>
+              <a:t>T</a:t>
+            </a:r>
+            <a:r>
+              <a:rPr dirty="0" sz="2400" lang="en-US"/>
+              <a:t>A</a:t>
+            </a:r>
+            <a:r>
+              <a:rPr dirty="0" sz="2400" lang="en-US"/>
+              <a:t>R</a:t>
+            </a:r>
+            <a:r>
+              <a:rPr dirty="0" sz="2400" lang="en-US"/>
+              <a:t>Y</a:t>
+            </a:r>
+            <a:r>
+              <a:rPr dirty="0" sz="2400" lang="en-US"/>
+              <a:t>S</a:t>
+            </a:r>
+            <a:r>
+              <a:rPr dirty="0" sz="2400" lang="en-US"/>
+              <a:t>H</a:t>
+            </a:r>
+            <a:r>
+              <a:rPr dirty="0" sz="2400" lang="en-US"/>
+              <a:t>I</a:t>
+            </a:r>
+            <a:r>
+              <a:rPr dirty="0" sz="2400" lang="en-US"/>
+              <a:t>P</a:t>
             </a:r>
             <a:endParaRPr altLang="en-US" lang="zh-CN"/>
           </a:p>
@@ -3656,7 +3732,15 @@
             </a:r>
             <a:r>
               <a:rPr dirty="0" sz="2400" lang="en-US"/>
-              <a:t>THAGALA</a:t>
+              <a:t>THA</a:t>
+            </a:r>
+            <a:r>
+              <a:rPr dirty="0" sz="2400" lang="en-US"/>
+              <a:t>N</a:t>
+            </a:r>
+            <a:r>
+              <a:rPr dirty="0" sz="2400" lang="en-US"/>
+              <a:t>GALA</a:t>
             </a:r>
             <a:r>
               <a:rPr dirty="0" sz="2400" lang="en-US"/>
@@ -4242,8 +4326,8 @@
           <p:nvPr/>
         </p:nvGraphicFramePr>
         <p:xfrm>
-          <a:off x="4509956" y="2775647"/>
-          <a:ext cx="7462172" cy="3210814"/>
+          <a:off x="5490294" y="1508959"/>
+          <a:ext cx="5597439" cy="2062199"/>
         </p:xfrm>
         <a:graphic>
           <a:graphicData uri="http://schemas.openxmlformats.org/drawingml/2006/chart">
@@ -4259,8 +4343,8 @@
         </p:nvSpPr>
         <p:spPr>
           <a:xfrm>
-            <a:off x="497906" y="1638935"/>
-            <a:ext cx="3527870" cy="4180841"/>
+            <a:off x="1111195" y="3810634"/>
+            <a:ext cx="6775887" cy="2834641"/>
           </a:xfrm>
           <a:prstGeom prst="rect"/>
           <a:noFill/>
@@ -4275,9 +4359,9 @@
           </a:bodyPr>
           <a:p>
             <a:r>
-              <a:rPr b="0" sz="2800" lang="en-US">
-                <a:solidFill>
-                  <a:srgbClr val="0070C0"/>
+              <a:rPr b="0" sz="2000" lang="en-US">
+                <a:solidFill>
+                  <a:srgbClr val="000000"/>
                 </a:solidFill>
                 <a:latin typeface="Noto Sans Egyptian Hieroglyphs"/>
                 <a:cs typeface="Noto Sans Lao UI"/>
@@ -4285,9 +4369,9 @@
               <a:t>I</a:t>
             </a:r>
             <a:r>
-              <a:rPr b="0" sz="2800" lang="en-US">
-                <a:solidFill>
-                  <a:srgbClr val="0070C0"/>
+              <a:rPr b="0" sz="2000" lang="en-US">
+                <a:solidFill>
+                  <a:srgbClr val="000000"/>
                 </a:solidFill>
                 <a:latin typeface="Noto Sans Egyptian Hieroglyphs"/>
                 <a:cs typeface="Noto Sans Lao UI"/>
@@ -4295,9 +4379,9 @@
               <a:t>n</a:t>
             </a:r>
             <a:r>
-              <a:rPr b="0" sz="2800" lang="en-US">
-                <a:solidFill>
-                  <a:srgbClr val="0070C0"/>
+              <a:rPr b="0" sz="2000" lang="en-US">
+                <a:solidFill>
+                  <a:srgbClr val="000000"/>
                 </a:solidFill>
                 <a:latin typeface="Noto Sans Egyptian Hieroglyphs"/>
                 <a:cs typeface="Noto Sans Lao UI"/>
@@ -4305,9 +4389,9 @@
               <a:t>t</a:t>
             </a:r>
             <a:r>
-              <a:rPr b="0" sz="2800" lang="en-US">
-                <a:solidFill>
-                  <a:srgbClr val="0070C0"/>
+              <a:rPr b="0" sz="2000" lang="en-US">
+                <a:solidFill>
+                  <a:srgbClr val="000000"/>
                 </a:solidFill>
                 <a:latin typeface="Noto Sans Egyptian Hieroglyphs"/>
                 <a:cs typeface="Noto Sans Lao UI"/>
@@ -4315,9 +4399,9 @@
               <a:t>e</a:t>
             </a:r>
             <a:r>
-              <a:rPr b="0" sz="2800" lang="en-US">
-                <a:solidFill>
-                  <a:srgbClr val="0070C0"/>
+              <a:rPr b="0" sz="2000" lang="en-US">
+                <a:solidFill>
+                  <a:srgbClr val="000000"/>
                 </a:solidFill>
                 <a:latin typeface="Noto Sans Egyptian Hieroglyphs"/>
                 <a:cs typeface="Noto Sans Lao UI"/>
@@ -4325,9 +4409,9 @@
               <a:t>r</a:t>
             </a:r>
             <a:r>
-              <a:rPr b="0" sz="2800" lang="en-US">
-                <a:solidFill>
-                  <a:srgbClr val="0070C0"/>
+              <a:rPr b="0" sz="2000" lang="en-US">
+                <a:solidFill>
+                  <a:srgbClr val="000000"/>
                 </a:solidFill>
                 <a:latin typeface="Noto Sans Egyptian Hieroglyphs"/>
                 <a:cs typeface="Noto Sans Lao UI"/>
@@ -4335,9 +4419,9 @@
               <a:t>p</a:t>
             </a:r>
             <a:r>
-              <a:rPr b="0" sz="2800" lang="en-US">
-                <a:solidFill>
-                  <a:srgbClr val="0070C0"/>
+              <a:rPr b="0" sz="2000" lang="en-US">
+                <a:solidFill>
+                  <a:srgbClr val="000000"/>
                 </a:solidFill>
                 <a:latin typeface="Noto Sans Egyptian Hieroglyphs"/>
                 <a:cs typeface="Noto Sans Lao UI"/>
@@ -4345,9 +4429,9 @@
               <a:t>r</a:t>
             </a:r>
             <a:r>
-              <a:rPr b="0" sz="2800" lang="en-US">
-                <a:solidFill>
-                  <a:srgbClr val="0070C0"/>
+              <a:rPr b="0" sz="2000" lang="en-US">
+                <a:solidFill>
+                  <a:srgbClr val="000000"/>
                 </a:solidFill>
                 <a:latin typeface="Noto Sans Egyptian Hieroglyphs"/>
                 <a:cs typeface="Noto Sans Lao UI"/>
@@ -4355,9 +4439,9 @@
               <a:t>etation</a:t>
             </a:r>
             <a:r>
-              <a:rPr b="0" sz="2800" lang="en-US">
-                <a:solidFill>
-                  <a:srgbClr val="0070C0"/>
+              <a:rPr b="0" sz="2000" lang="en-US">
+                <a:solidFill>
+                  <a:srgbClr val="000000"/>
                 </a:solidFill>
                 <a:latin typeface="Noto Sans Egyptian Hieroglyphs"/>
                 <a:cs typeface="Noto Sans Lao UI"/>
@@ -4365,9 +4449,9 @@
               <a:t> </a:t>
             </a:r>
             <a:r>
-              <a:rPr b="0" sz="2800" lang="en-US">
-                <a:solidFill>
-                  <a:srgbClr val="0070C0"/>
+              <a:rPr b="0" sz="2000" lang="en-US">
+                <a:solidFill>
+                  <a:srgbClr val="000000"/>
                 </a:solidFill>
                 <a:latin typeface="Noto Sans Egyptian Hieroglyphs"/>
                 <a:cs typeface="Noto Sans Lao UI"/>
@@ -4375,18 +4459,18 @@
               <a:t>:</a:t>
             </a:r>
             <a:r>
-              <a:rPr b="0" sz="2800" lang="en-US">
-                <a:solidFill>
-                  <a:srgbClr val="0070C0"/>
+              <a:rPr b="0" sz="2000" lang="en-US">
+                <a:solidFill>
+                  <a:srgbClr val="000000"/>
                 </a:solidFill>
                 <a:latin typeface="Noto Sans Egyptian Hieroglyphs"/>
                 <a:cs typeface="Noto Sans Lao UI"/>
               </a:rPr>
               <a:t> </a:t>
             </a:r>
-            <a:endParaRPr b="0" sz="3200" lang="en-IN">
+            <a:endParaRPr b="0" sz="1800" lang="en-IN">
               <a:solidFill>
-                <a:srgbClr val="0070C0"/>
+                <a:srgbClr val="000000"/>
               </a:solidFill>
               <a:latin typeface="Noto Sans Egyptian Hieroglyphs"/>
               <a:cs typeface="Noto Sans Lao UI"/>
@@ -4394,9 +4478,9 @@
           </a:p>
           <a:p>
             <a:r>
-              <a:rPr b="0" sz="2800" lang="en-US">
-                <a:solidFill>
-                  <a:srgbClr val="0070C0"/>
+              <a:rPr b="0" sz="2000" lang="en-US">
+                <a:solidFill>
+                  <a:srgbClr val="000000"/>
                 </a:solidFill>
                 <a:latin typeface="Noto Sans Egyptian Hieroglyphs"/>
                 <a:cs typeface="Noto Sans Lao UI"/>
@@ -4404,9 +4488,9 @@
               <a:t> </a:t>
             </a:r>
             <a:r>
-              <a:rPr b="0" sz="2800" lang="en-US">
-                <a:solidFill>
-                  <a:srgbClr val="0070C0"/>
+              <a:rPr b="0" sz="2000" lang="en-US">
+                <a:solidFill>
+                  <a:srgbClr val="000000"/>
                 </a:solidFill>
                 <a:latin typeface="Noto Sans Egyptian Hieroglyphs"/>
                 <a:cs typeface="Noto Sans Lao UI"/>
@@ -4414,9 +4498,9 @@
               <a:t> </a:t>
             </a:r>
             <a:r>
-              <a:rPr b="0" sz="2800" lang="en-US">
-                <a:solidFill>
-                  <a:srgbClr val="0070C0"/>
+              <a:rPr b="0" sz="2000" lang="en-US">
+                <a:solidFill>
+                  <a:srgbClr val="000000"/>
                 </a:solidFill>
                 <a:latin typeface="Noto Sans Egyptian Hieroglyphs"/>
                 <a:cs typeface="Noto Sans Lao UI"/>
@@ -4424,9 +4508,9 @@
               <a:t> </a:t>
             </a:r>
             <a:r>
-              <a:rPr b="0" sz="2800" lang="en-US">
-                <a:solidFill>
-                  <a:srgbClr val="0070C0"/>
+              <a:rPr b="0" sz="2000" lang="en-US">
+                <a:solidFill>
+                  <a:srgbClr val="000000"/>
                 </a:solidFill>
                 <a:latin typeface="Noto Sans Egyptian Hieroglyphs"/>
                 <a:cs typeface="Noto Sans Lao UI"/>
@@ -4434,9 +4518,9 @@
               <a:t> </a:t>
             </a:r>
             <a:r>
-              <a:rPr b="0" sz="2800" lang="en-US">
-                <a:solidFill>
-                  <a:srgbClr val="0070C0"/>
+              <a:rPr b="0" sz="2000" lang="en-US">
+                <a:solidFill>
+                  <a:srgbClr val="000000"/>
                 </a:solidFill>
                 <a:latin typeface="Noto Sans Egyptian Hieroglyphs"/>
                 <a:cs typeface="Noto Sans Lao UI"/>
@@ -4444,9 +4528,9 @@
               <a:t> </a:t>
             </a:r>
             <a:r>
-              <a:rPr b="0" sz="2800" lang="en-US">
-                <a:solidFill>
-                  <a:srgbClr val="0070C0"/>
+              <a:rPr b="0" sz="2000" lang="en-US">
+                <a:solidFill>
+                  <a:srgbClr val="000000"/>
                 </a:solidFill>
                 <a:latin typeface="Noto Sans Egyptian Hieroglyphs"/>
                 <a:cs typeface="Noto Sans Lao UI"/>
@@ -4454,9 +4538,9 @@
               <a:t> </a:t>
             </a:r>
             <a:r>
-              <a:rPr b="0" sz="2800" lang="en-US">
-                <a:solidFill>
-                  <a:srgbClr val="0070C0"/>
+              <a:rPr b="0" sz="2000" lang="en-US">
+                <a:solidFill>
+                  <a:srgbClr val="000000"/>
                 </a:solidFill>
                 <a:latin typeface="Noto Sans Egyptian Hieroglyphs"/>
                 <a:cs typeface="Noto Sans Lao UI"/>
@@ -4464,9 +4548,9 @@
               <a:t> </a:t>
             </a:r>
             <a:r>
-              <a:rPr b="0" sz="2800" lang="en-US">
-                <a:solidFill>
-                  <a:srgbClr val="0070C0"/>
+              <a:rPr b="0" sz="2000" lang="en-US">
+                <a:solidFill>
+                  <a:srgbClr val="000000"/>
                 </a:solidFill>
                 <a:latin typeface="Noto Sans Egyptian Hieroglyphs"/>
                 <a:cs typeface="Noto Sans Lao UI"/>
@@ -4474,9 +4558,9 @@
               <a:t> </a:t>
             </a:r>
             <a:r>
-              <a:rPr b="0" sz="2800" lang="en-US">
-                <a:solidFill>
-                  <a:srgbClr val="0070C0"/>
+              <a:rPr b="0" sz="2000" lang="en-US">
+                <a:solidFill>
+                  <a:srgbClr val="000000"/>
                 </a:solidFill>
                 <a:latin typeface="Noto Sans Egyptian Hieroglyphs"/>
                 <a:cs typeface="Noto Sans Lao UI"/>
@@ -4484,9 +4568,9 @@
               <a:t> </a:t>
             </a:r>
             <a:r>
-              <a:rPr b="0" sz="2800" lang="en-US">
-                <a:solidFill>
-                  <a:srgbClr val="0070C0"/>
+              <a:rPr b="0" sz="2000" lang="en-US">
+                <a:solidFill>
+                  <a:srgbClr val="000000"/>
                 </a:solidFill>
                 <a:latin typeface="Noto Sans Egyptian Hieroglyphs"/>
                 <a:cs typeface="Noto Sans Lao UI"/>
@@ -4494,9 +4578,9 @@
               <a:t> </a:t>
             </a:r>
             <a:r>
-              <a:rPr b="0" sz="2800" lang="en-US">
-                <a:solidFill>
-                  <a:srgbClr val="0070C0"/>
+              <a:rPr b="0" sz="2000" lang="en-US">
+                <a:solidFill>
+                  <a:srgbClr val="000000"/>
                 </a:solidFill>
                 <a:latin typeface="Noto Sans Egyptian Hieroglyphs"/>
                 <a:cs typeface="Noto Sans Lao UI"/>
@@ -4504,9 +4588,9 @@
               <a:t> </a:t>
             </a:r>
             <a:r>
-              <a:rPr b="0" sz="2800" lang="en-US">
-                <a:solidFill>
-                  <a:srgbClr val="0070C0"/>
+              <a:rPr b="0" sz="2000" lang="en-US">
+                <a:solidFill>
+                  <a:srgbClr val="000000"/>
                 </a:solidFill>
                 <a:latin typeface="Noto Sans Egyptian Hieroglyphs"/>
                 <a:cs typeface="Noto Sans Lao UI"/>
@@ -4514,9 +4598,9 @@
               <a:t> </a:t>
             </a:r>
             <a:r>
-              <a:rPr b="0" sz="2800" lang="en-US">
-                <a:solidFill>
-                  <a:srgbClr val="0070C0"/>
+              <a:rPr b="0" sz="2000" lang="en-US">
+                <a:solidFill>
+                  <a:srgbClr val="000000"/>
                 </a:solidFill>
                 <a:latin typeface="Noto Sans Egyptian Hieroglyphs"/>
                 <a:cs typeface="Noto Sans Lao UI"/>
@@ -4524,9 +4608,9 @@
               <a:t> </a:t>
             </a:r>
             <a:r>
-              <a:rPr b="0" sz="2800" lang="en-US">
-                <a:solidFill>
-                  <a:srgbClr val="0070C0"/>
+              <a:rPr b="0" sz="2000" lang="en-US">
+                <a:solidFill>
+                  <a:srgbClr val="000000"/>
                 </a:solidFill>
                 <a:latin typeface="Noto Sans Egyptian Hieroglyphs"/>
                 <a:cs typeface="Noto Sans Lao UI"/>
@@ -4534,9 +4618,9 @@
               <a:t> </a:t>
             </a:r>
             <a:r>
-              <a:rPr b="0" sz="2800" lang="en-US">
-                <a:solidFill>
-                  <a:srgbClr val="0070C0"/>
+              <a:rPr b="0" sz="2000" lang="en-US">
+                <a:solidFill>
+                  <a:srgbClr val="000000"/>
                 </a:solidFill>
                 <a:latin typeface="Noto Sans Egyptian Hieroglyphs"/>
                 <a:cs typeface="Noto Sans Lao UI"/>
@@ -4544,9 +4628,9 @@
               <a:t> </a:t>
             </a:r>
             <a:r>
-              <a:rPr b="0" sz="2800" lang="en-US">
-                <a:solidFill>
-                  <a:srgbClr val="0070C0"/>
+              <a:rPr b="0" sz="2000" lang="en-US">
+                <a:solidFill>
+                  <a:srgbClr val="000000"/>
                 </a:solidFill>
                 <a:latin typeface="Noto Sans Egyptian Hieroglyphs"/>
                 <a:cs typeface="Noto Sans Lao UI"/>
@@ -4554,9 +4638,9 @@
               <a:t> </a:t>
             </a:r>
             <a:r>
-              <a:rPr b="0" sz="2800" lang="en-US">
-                <a:solidFill>
-                  <a:srgbClr val="0070C0"/>
+              <a:rPr b="0" sz="2000" lang="en-US">
+                <a:solidFill>
+                  <a:srgbClr val="000000"/>
                 </a:solidFill>
                 <a:latin typeface="Noto Sans Egyptian Hieroglyphs"/>
                 <a:cs typeface="Noto Sans Lao UI"/>
@@ -4564,9 +4648,9 @@
               <a:t> </a:t>
             </a:r>
             <a:r>
-              <a:rPr b="0" sz="2800" lang="en-US">
-                <a:solidFill>
-                  <a:srgbClr val="0070C0"/>
+              <a:rPr b="0" sz="2000" lang="en-US">
+                <a:solidFill>
+                  <a:srgbClr val="000000"/>
                 </a:solidFill>
                 <a:latin typeface="Noto Sans Egyptian Hieroglyphs"/>
                 <a:cs typeface="Noto Sans Lao UI"/>
@@ -4574,9 +4658,9 @@
               <a:t> </a:t>
             </a:r>
             <a:r>
-              <a:rPr b="0" sz="2800" lang="en-US">
-                <a:solidFill>
-                  <a:srgbClr val="0070C0"/>
+              <a:rPr b="0" sz="2000" lang="en-US">
+                <a:solidFill>
+                  <a:srgbClr val="000000"/>
                 </a:solidFill>
                 <a:latin typeface="Noto Sans Egyptian Hieroglyphs"/>
                 <a:cs typeface="Noto Sans Lao UI"/>
@@ -4584,9 +4668,59 @@
               <a:t> </a:t>
             </a:r>
             <a:r>
-              <a:rPr b="0" sz="2800" lang="en-US">
-                <a:solidFill>
-                  <a:srgbClr val="0070C0"/>
+              <a:rPr b="0" sz="2000" lang="en-US">
+                <a:solidFill>
+                  <a:srgbClr val="000000"/>
+                </a:solidFill>
+                <a:latin typeface="Noto Sans Egyptian Hieroglyphs"/>
+                <a:cs typeface="Noto Sans Lao UI"/>
+              </a:rPr>
+              <a:t>1</a:t>
+            </a:r>
+            <a:r>
+              <a:rPr b="0" sz="2000" lang="en-US">
+                <a:solidFill>
+                  <a:srgbClr val="000000"/>
+                </a:solidFill>
+                <a:latin typeface="Noto Sans Egyptian Hieroglyphs"/>
+                <a:cs typeface="Noto Sans Lao UI"/>
+              </a:rPr>
+              <a:t>.</a:t>
+            </a:r>
+            <a:r>
+              <a:rPr b="0" sz="1800" lang="en-US">
+                <a:solidFill>
+                  <a:srgbClr val="000000"/>
+                </a:solidFill>
+                <a:latin typeface="Noto Sans Egyptian Hieroglyphs"/>
+                <a:cs typeface="Noto Sans Lao UI"/>
+              </a:rPr>
+              <a:t>T</a:t>
+            </a:r>
+            <a:r>
+              <a:rPr b="0" sz="1800" lang="en-US">
+                <a:solidFill>
+                  <a:srgbClr val="000000"/>
+                </a:solidFill>
+                <a:latin typeface="Noto Sans Egyptian Hieroglyphs"/>
+                <a:cs typeface="Noto Sans Lao UI"/>
+              </a:rPr>
+              <a:t>h</a:t>
+            </a:r>
+            <a:r>
+              <a:rPr b="0" sz="1800" lang="en-US">
+                <a:solidFill>
+                  <a:srgbClr val="000000"/>
+                </a:solidFill>
+                <a:latin typeface="Noto Sans Egyptian Hieroglyphs"/>
+                <a:cs typeface="Noto Sans Lao UI"/>
+              </a:rPr>
+              <a:t>e</a:t>
+            </a:r>
+            <a:r>
+              <a:rPr b="0" sz="1800" lang="en-US">
+                <a:solidFill>
+                  <a:srgbClr val="000000"/>
                 </a:solidFill>
                 <a:latin typeface="Noto Sans Egyptian Hieroglyphs"/>
                 <a:cs typeface="Noto Sans Lao UI"/>
@@ -4594,9 +4728,89 @@
               <a:t> </a:t>
             </a:r>
             <a:r>
-              <a:rPr b="0" sz="2800" lang="en-US">
-                <a:solidFill>
-                  <a:srgbClr val="0070C0"/>
+              <a:rPr b="0" sz="1800" lang="en-US">
+                <a:solidFill>
+                  <a:srgbClr val="000000"/>
+                </a:solidFill>
+                <a:latin typeface="Noto Sans Egyptian Hieroglyphs"/>
+                <a:cs typeface="Noto Sans Lao UI"/>
+              </a:rPr>
+              <a:t>e</a:t>
+            </a:r>
+            <a:r>
+              <a:rPr b="0" sz="1800" lang="en-US">
+                <a:solidFill>
+                  <a:srgbClr val="000000"/>
+                </a:solidFill>
+                <a:latin typeface="Noto Sans Egyptian Hieroglyphs"/>
+                <a:cs typeface="Noto Sans Lao UI"/>
+              </a:rPr>
+              <a:t>m</a:t>
+            </a:r>
+            <a:r>
+              <a:rPr b="0" sz="1800" lang="en-US">
+                <a:solidFill>
+                  <a:srgbClr val="000000"/>
+                </a:solidFill>
+                <a:latin typeface="Noto Sans Egyptian Hieroglyphs"/>
+                <a:cs typeface="Noto Sans Lao UI"/>
+              </a:rPr>
+              <a:t>p</a:t>
+            </a:r>
+            <a:r>
+              <a:rPr b="0" sz="1800" lang="en-US">
+                <a:solidFill>
+                  <a:srgbClr val="000000"/>
+                </a:solidFill>
+                <a:latin typeface="Noto Sans Egyptian Hieroglyphs"/>
+                <a:cs typeface="Noto Sans Lao UI"/>
+              </a:rPr>
+              <a:t>l</a:t>
+            </a:r>
+            <a:r>
+              <a:rPr b="0" sz="1800" lang="en-US">
+                <a:solidFill>
+                  <a:srgbClr val="000000"/>
+                </a:solidFill>
+                <a:latin typeface="Noto Sans Egyptian Hieroglyphs"/>
+                <a:cs typeface="Noto Sans Lao UI"/>
+              </a:rPr>
+              <a:t>o</a:t>
+            </a:r>
+            <a:r>
+              <a:rPr b="0" sz="1800" lang="en-US">
+                <a:solidFill>
+                  <a:srgbClr val="000000"/>
+                </a:solidFill>
+                <a:latin typeface="Noto Sans Egyptian Hieroglyphs"/>
+                <a:cs typeface="Noto Sans Lao UI"/>
+              </a:rPr>
+              <a:t>y</a:t>
+            </a:r>
+            <a:r>
+              <a:rPr b="0" sz="1800" lang="en-US">
+                <a:solidFill>
+                  <a:srgbClr val="000000"/>
+                </a:solidFill>
+                <a:latin typeface="Noto Sans Egyptian Hieroglyphs"/>
+                <a:cs typeface="Noto Sans Lao UI"/>
+              </a:rPr>
+              <a:t>e</a:t>
+            </a:r>
+            <a:r>
+              <a:rPr b="0" sz="1800" lang="en-US">
+                <a:solidFill>
+                  <a:srgbClr val="000000"/>
+                </a:solidFill>
+                <a:latin typeface="Noto Sans Egyptian Hieroglyphs"/>
+                <a:cs typeface="Noto Sans Lao UI"/>
+              </a:rPr>
+              <a:t>e</a:t>
+            </a:r>
+            <a:r>
+              <a:rPr b="0" sz="1800" lang="en-US">
+                <a:solidFill>
+                  <a:srgbClr val="000000"/>
                 </a:solidFill>
                 <a:latin typeface="Noto Sans Egyptian Hieroglyphs"/>
                 <a:cs typeface="Noto Sans Lao UI"/>
@@ -4604,9 +4818,2448 @@
               <a:t> </a:t>
             </a:r>
             <a:r>
-              <a:rPr b="0" sz="2800" lang="en-US">
-                <a:solidFill>
-                  <a:srgbClr val="0070C0"/>
+              <a:rPr b="0" sz="1800" lang="en-US">
+                <a:solidFill>
+                  <a:srgbClr val="000000"/>
+                </a:solidFill>
+                <a:latin typeface="Noto Sans Egyptian Hieroglyphs"/>
+                <a:cs typeface="Noto Sans Lao UI"/>
+              </a:rPr>
+              <a:t>with</a:t>
+            </a:r>
+            <a:r>
+              <a:rPr b="0" sz="1800" lang="en-US">
+                <a:solidFill>
+                  <a:srgbClr val="000000"/>
+                </a:solidFill>
+                <a:latin typeface="Noto Sans Egyptian Hieroglyphs"/>
+                <a:cs typeface="Noto Sans Lao UI"/>
+              </a:rPr>
+              <a:t> </a:t>
+            </a:r>
+            <a:r>
+              <a:rPr b="0" sz="1800" lang="en-US">
+                <a:solidFill>
+                  <a:srgbClr val="000000"/>
+                </a:solidFill>
+                <a:latin typeface="Noto Sans Egyptian Hieroglyphs"/>
+                <a:cs typeface="Noto Sans Lao UI"/>
+              </a:rPr>
+              <a:t>I</a:t>
+            </a:r>
+            <a:r>
+              <a:rPr b="0" sz="1800" lang="en-US">
+                <a:solidFill>
+                  <a:srgbClr val="000000"/>
+                </a:solidFill>
+                <a:latin typeface="Noto Sans Egyptian Hieroglyphs"/>
+                <a:cs typeface="Noto Sans Lao UI"/>
+              </a:rPr>
+              <a:t>D</a:t>
+            </a:r>
+            <a:r>
+              <a:rPr b="0" sz="1800" lang="en-US">
+                <a:solidFill>
+                  <a:srgbClr val="000000"/>
+                </a:solidFill>
+                <a:latin typeface="Noto Sans Egyptian Hieroglyphs"/>
+                <a:cs typeface="Noto Sans Lao UI"/>
+              </a:rPr>
+              <a:t> </a:t>
+            </a:r>
+            <a:r>
+              <a:rPr b="0" sz="1800" lang="en-US">
+                <a:solidFill>
+                  <a:srgbClr val="000000"/>
+                </a:solidFill>
+                <a:latin typeface="Noto Sans Egyptian Hieroglyphs"/>
+                <a:cs typeface="Noto Sans Lao UI"/>
+              </a:rPr>
+              <a:t>2</a:t>
+            </a:r>
+            <a:r>
+              <a:rPr b="0" sz="1800" lang="en-US">
+                <a:solidFill>
+                  <a:srgbClr val="000000"/>
+                </a:solidFill>
+                <a:latin typeface="Noto Sans Egyptian Hieroglyphs"/>
+                <a:cs typeface="Noto Sans Lao UI"/>
+              </a:rPr>
+              <a:t>6</a:t>
+            </a:r>
+            <a:r>
+              <a:rPr b="0" sz="1800" lang="en-US">
+                <a:solidFill>
+                  <a:srgbClr val="000000"/>
+                </a:solidFill>
+                <a:latin typeface="Noto Sans Egyptian Hieroglyphs"/>
+                <a:cs typeface="Noto Sans Lao UI"/>
+              </a:rPr>
+              <a:t>4</a:t>
+            </a:r>
+            <a:r>
+              <a:rPr b="0" sz="1800" lang="en-US">
+                <a:solidFill>
+                  <a:srgbClr val="000000"/>
+                </a:solidFill>
+                <a:latin typeface="Noto Sans Egyptian Hieroglyphs"/>
+                <a:cs typeface="Noto Sans Lao UI"/>
+              </a:rPr>
+              <a:t>2</a:t>
+            </a:r>
+            <a:r>
+              <a:rPr b="0" sz="1800" lang="en-US">
+                <a:solidFill>
+                  <a:srgbClr val="000000"/>
+                </a:solidFill>
+                <a:latin typeface="Noto Sans Egyptian Hieroglyphs"/>
+                <a:cs typeface="Noto Sans Lao UI"/>
+              </a:rPr>
+              <a:t> </a:t>
+            </a:r>
+            <a:r>
+              <a:rPr b="0" sz="1800" lang="en-US">
+                <a:solidFill>
+                  <a:srgbClr val="000000"/>
+                </a:solidFill>
+                <a:latin typeface="Noto Sans Egyptian Hieroglyphs"/>
+                <a:cs typeface="Noto Sans Lao UI"/>
+              </a:rPr>
+              <a:t>,</a:t>
+            </a:r>
+            <a:r>
+              <a:rPr b="0" sz="1800" lang="en-US">
+                <a:solidFill>
+                  <a:srgbClr val="000000"/>
+                </a:solidFill>
+                <a:latin typeface="Noto Sans Egyptian Hieroglyphs"/>
+                <a:cs typeface="Noto Sans Lao UI"/>
+              </a:rPr>
+              <a:t> </a:t>
+            </a:r>
+            <a:r>
+              <a:rPr b="0" sz="1800" lang="en-US">
+                <a:solidFill>
+                  <a:srgbClr val="000000"/>
+                </a:solidFill>
+                <a:latin typeface="Noto Sans Egyptian Hieroglyphs"/>
+                <a:cs typeface="Noto Sans Lao UI"/>
+              </a:rPr>
+              <a:t>2</a:t>
+            </a:r>
+            <a:r>
+              <a:rPr b="0" sz="1800" lang="en-US">
+                <a:solidFill>
+                  <a:srgbClr val="000000"/>
+                </a:solidFill>
+                <a:latin typeface="Noto Sans Egyptian Hieroglyphs"/>
+                <a:cs typeface="Noto Sans Lao UI"/>
+              </a:rPr>
+              <a:t>6</a:t>
+            </a:r>
+            <a:r>
+              <a:rPr b="0" sz="1800" lang="en-US">
+                <a:solidFill>
+                  <a:srgbClr val="000000"/>
+                </a:solidFill>
+                <a:latin typeface="Noto Sans Egyptian Hieroglyphs"/>
+                <a:cs typeface="Noto Sans Lao UI"/>
+              </a:rPr>
+              <a:t>4</a:t>
+            </a:r>
+            <a:r>
+              <a:rPr b="0" sz="1800" lang="en-US">
+                <a:solidFill>
+                  <a:srgbClr val="000000"/>
+                </a:solidFill>
+                <a:latin typeface="Noto Sans Egyptian Hieroglyphs"/>
+                <a:cs typeface="Noto Sans Lao UI"/>
+              </a:rPr>
+              <a:t>0</a:t>
+            </a:r>
+            <a:r>
+              <a:rPr b="0" sz="1800" lang="en-US">
+                <a:solidFill>
+                  <a:srgbClr val="000000"/>
+                </a:solidFill>
+                <a:latin typeface="Noto Sans Egyptian Hieroglyphs"/>
+                <a:cs typeface="Noto Sans Lao UI"/>
+              </a:rPr>
+              <a:t> </a:t>
+            </a:r>
+            <a:r>
+              <a:rPr b="0" sz="1800" lang="en-US">
+                <a:solidFill>
+                  <a:srgbClr val="000000"/>
+                </a:solidFill>
+                <a:latin typeface="Noto Sans Egyptian Hieroglyphs"/>
+                <a:cs typeface="Noto Sans Lao UI"/>
+              </a:rPr>
+              <a:t>d</a:t>
+            </a:r>
+            <a:r>
+              <a:rPr b="0" sz="1800" lang="en-US">
+                <a:solidFill>
+                  <a:srgbClr val="000000"/>
+                </a:solidFill>
+                <a:latin typeface="Noto Sans Egyptian Hieroglyphs"/>
+                <a:cs typeface="Noto Sans Lao UI"/>
+              </a:rPr>
+              <a:t>e</a:t>
+            </a:r>
+            <a:r>
+              <a:rPr b="0" sz="1800" lang="en-US">
+                <a:solidFill>
+                  <a:srgbClr val="000000"/>
+                </a:solidFill>
+                <a:latin typeface="Noto Sans Egyptian Hieroglyphs"/>
+                <a:cs typeface="Noto Sans Lao UI"/>
+              </a:rPr>
+              <a:t>m</a:t>
+            </a:r>
+            <a:r>
+              <a:rPr b="0" sz="1800" lang="en-US">
+                <a:solidFill>
+                  <a:srgbClr val="000000"/>
+                </a:solidFill>
+                <a:latin typeface="Noto Sans Egyptian Hieroglyphs"/>
+                <a:cs typeface="Noto Sans Lao UI"/>
+              </a:rPr>
+              <a:t>a</a:t>
+            </a:r>
+            <a:r>
+              <a:rPr b="0" sz="1800" lang="en-US">
+                <a:solidFill>
+                  <a:srgbClr val="000000"/>
+                </a:solidFill>
+                <a:latin typeface="Noto Sans Egyptian Hieroglyphs"/>
+                <a:cs typeface="Noto Sans Lao UI"/>
+              </a:rPr>
+              <a:t>r</a:t>
+            </a:r>
+            <a:r>
+              <a:rPr b="0" sz="1800" lang="en-US">
+                <a:solidFill>
+                  <a:srgbClr val="000000"/>
+                </a:solidFill>
+                <a:latin typeface="Noto Sans Egyptian Hieroglyphs"/>
+                <a:cs typeface="Noto Sans Lao UI"/>
+              </a:rPr>
+              <a:t>i</a:t>
+            </a:r>
+            <a:r>
+              <a:rPr b="0" sz="1800" lang="en-US">
+                <a:solidFill>
+                  <a:srgbClr val="000000"/>
+                </a:solidFill>
+                <a:latin typeface="Noto Sans Egyptian Hieroglyphs"/>
+                <a:cs typeface="Noto Sans Lao UI"/>
+              </a:rPr>
+              <a:t>o</a:t>
+            </a:r>
+            <a:r>
+              <a:rPr b="0" sz="1800" lang="en-US">
+                <a:solidFill>
+                  <a:srgbClr val="000000"/>
+                </a:solidFill>
+                <a:latin typeface="Noto Sans Egyptian Hieroglyphs"/>
+                <a:cs typeface="Noto Sans Lao UI"/>
+              </a:rPr>
+              <a:t>n</a:t>
+            </a:r>
+            <a:r>
+              <a:rPr b="0" sz="1800" lang="en-US">
+                <a:solidFill>
+                  <a:srgbClr val="000000"/>
+                </a:solidFill>
+                <a:latin typeface="Noto Sans Egyptian Hieroglyphs"/>
+                <a:cs typeface="Noto Sans Lao UI"/>
+              </a:rPr>
+              <a:t> </a:t>
+            </a:r>
+            <a:r>
+              <a:rPr b="0" sz="1800" lang="en-US">
+                <a:solidFill>
+                  <a:srgbClr val="000000"/>
+                </a:solidFill>
+                <a:latin typeface="Noto Sans Egyptian Hieroglyphs"/>
+                <a:cs typeface="Noto Sans Lao UI"/>
+              </a:rPr>
+              <a:t>a</a:t>
+            </a:r>
+            <a:r>
+              <a:rPr b="0" sz="1800" lang="en-US">
+                <a:solidFill>
+                  <a:srgbClr val="000000"/>
+                </a:solidFill>
+                <a:latin typeface="Noto Sans Egyptian Hieroglyphs"/>
+                <a:cs typeface="Noto Sans Lao UI"/>
+              </a:rPr>
+              <a:t>n</a:t>
+            </a:r>
+            <a:r>
+              <a:rPr b="0" sz="1800" lang="en-US">
+                <a:solidFill>
+                  <a:srgbClr val="000000"/>
+                </a:solidFill>
+                <a:latin typeface="Noto Sans Egyptian Hieroglyphs"/>
+                <a:cs typeface="Noto Sans Lao UI"/>
+              </a:rPr>
+              <a:t>d</a:t>
+            </a:r>
+            <a:r>
+              <a:rPr b="0" sz="1800" lang="en-US">
+                <a:solidFill>
+                  <a:srgbClr val="000000"/>
+                </a:solidFill>
+                <a:latin typeface="Noto Sans Egyptian Hieroglyphs"/>
+                <a:cs typeface="Noto Sans Lao UI"/>
+              </a:rPr>
+              <a:t> </a:t>
+            </a:r>
+            <a:r>
+              <a:rPr b="0" sz="1800" lang="en-US">
+                <a:solidFill>
+                  <a:srgbClr val="000000"/>
+                </a:solidFill>
+                <a:latin typeface="Noto Sans Egyptian Hieroglyphs"/>
+                <a:cs typeface="Noto Sans Lao UI"/>
+              </a:rPr>
+              <a:t>m</a:t>
+            </a:r>
+            <a:r>
+              <a:rPr b="0" sz="1800" lang="en-US">
+                <a:solidFill>
+                  <a:srgbClr val="000000"/>
+                </a:solidFill>
+                <a:latin typeface="Noto Sans Egyptian Hieroglyphs"/>
+                <a:cs typeface="Noto Sans Lao UI"/>
+              </a:rPr>
+              <a:t>a</a:t>
+            </a:r>
+            <a:r>
+              <a:rPr b="0" sz="1800" lang="en-US">
+                <a:solidFill>
+                  <a:srgbClr val="000000"/>
+                </a:solidFill>
+                <a:latin typeface="Noto Sans Egyptian Hieroglyphs"/>
+                <a:cs typeface="Noto Sans Lao UI"/>
+              </a:rPr>
+              <a:t>g</a:t>
+            </a:r>
+            <a:r>
+              <a:rPr b="0" sz="1800" lang="en-US">
+                <a:solidFill>
+                  <a:srgbClr val="000000"/>
+                </a:solidFill>
+                <a:latin typeface="Noto Sans Egyptian Hieroglyphs"/>
+                <a:cs typeface="Noto Sans Lao UI"/>
+              </a:rPr>
+              <a:t>d</a:t>
+            </a:r>
+            <a:r>
+              <a:rPr b="0" sz="1800" lang="en-US">
+                <a:solidFill>
+                  <a:srgbClr val="000000"/>
+                </a:solidFill>
+                <a:latin typeface="Noto Sans Egyptian Hieroglyphs"/>
+                <a:cs typeface="Noto Sans Lao UI"/>
+              </a:rPr>
+              <a:t>a</a:t>
+            </a:r>
+            <a:r>
+              <a:rPr b="0" sz="1800" lang="en-US">
+                <a:solidFill>
+                  <a:srgbClr val="000000"/>
+                </a:solidFill>
+                <a:latin typeface="Noto Sans Egyptian Hieroglyphs"/>
+                <a:cs typeface="Noto Sans Lao UI"/>
+              </a:rPr>
+              <a:t>l</a:t>
+            </a:r>
+            <a:r>
+              <a:rPr b="0" sz="1800" lang="en-US">
+                <a:solidFill>
+                  <a:srgbClr val="000000"/>
+                </a:solidFill>
+                <a:latin typeface="Noto Sans Egyptian Hieroglyphs"/>
+                <a:cs typeface="Noto Sans Lao UI"/>
+              </a:rPr>
+              <a:t>e</a:t>
+            </a:r>
+            <a:r>
+              <a:rPr b="0" sz="1800" lang="en-US">
+                <a:solidFill>
+                  <a:srgbClr val="000000"/>
+                </a:solidFill>
+                <a:latin typeface="Noto Sans Egyptian Hieroglyphs"/>
+                <a:cs typeface="Noto Sans Lao UI"/>
+              </a:rPr>
+              <a:t>n</a:t>
+            </a:r>
+            <a:r>
+              <a:rPr b="0" sz="1800" lang="en-US">
+                <a:solidFill>
+                  <a:srgbClr val="000000"/>
+                </a:solidFill>
+                <a:latin typeface="Noto Sans Egyptian Hieroglyphs"/>
+                <a:cs typeface="Noto Sans Lao UI"/>
+              </a:rPr>
+              <a:t>a</a:t>
+            </a:r>
+            <a:r>
+              <a:rPr b="0" sz="1800" lang="en-US">
+                <a:solidFill>
+                  <a:srgbClr val="000000"/>
+                </a:solidFill>
+                <a:latin typeface="Noto Sans Egyptian Hieroglyphs"/>
+                <a:cs typeface="Noto Sans Lao UI"/>
+              </a:rPr>
+              <a:t> </a:t>
+            </a:r>
+            <a:r>
+              <a:rPr b="0" sz="1800" lang="en-US">
+                <a:solidFill>
+                  <a:srgbClr val="000000"/>
+                </a:solidFill>
+                <a:latin typeface="Noto Sans Egyptian Hieroglyphs"/>
+                <a:cs typeface="Noto Sans Lao UI"/>
+              </a:rPr>
+              <a:t>h</a:t>
+            </a:r>
+            <a:r>
+              <a:rPr b="0" sz="1800" lang="en-US">
+                <a:solidFill>
+                  <a:srgbClr val="000000"/>
+                </a:solidFill>
+                <a:latin typeface="Noto Sans Egyptian Hieroglyphs"/>
+                <a:cs typeface="Noto Sans Lao UI"/>
+              </a:rPr>
+              <a:t>a</a:t>
+            </a:r>
+            <a:r>
+              <a:rPr b="0" sz="1800" lang="en-US">
+                <a:solidFill>
+                  <a:srgbClr val="000000"/>
+                </a:solidFill>
+                <a:latin typeface="Noto Sans Egyptian Hieroglyphs"/>
+                <a:cs typeface="Noto Sans Lao UI"/>
+              </a:rPr>
+              <a:t>s</a:t>
+            </a:r>
+            <a:r>
+              <a:rPr b="0" sz="1800" lang="en-US">
+                <a:solidFill>
+                  <a:srgbClr val="000000"/>
+                </a:solidFill>
+                <a:latin typeface="Noto Sans Egyptian Hieroglyphs"/>
+                <a:cs typeface="Noto Sans Lao UI"/>
+              </a:rPr>
+              <a:t> </a:t>
+            </a:r>
+            <a:r>
+              <a:rPr b="0" sz="1800" lang="en-US">
+                <a:solidFill>
+                  <a:srgbClr val="000000"/>
+                </a:solidFill>
+                <a:latin typeface="Noto Sans Egyptian Hieroglyphs"/>
+                <a:cs typeface="Noto Sans Lao UI"/>
+              </a:rPr>
+              <a:t>t</a:t>
+            </a:r>
+            <a:r>
+              <a:rPr b="0" sz="1800" lang="en-US">
+                <a:solidFill>
+                  <a:srgbClr val="000000"/>
+                </a:solidFill>
+                <a:latin typeface="Noto Sans Egyptian Hieroglyphs"/>
+                <a:cs typeface="Noto Sans Lao UI"/>
+              </a:rPr>
+              <a:t>h</a:t>
+            </a:r>
+            <a:r>
+              <a:rPr b="0" sz="1800" lang="en-US">
+                <a:solidFill>
+                  <a:srgbClr val="000000"/>
+                </a:solidFill>
+                <a:latin typeface="Noto Sans Egyptian Hieroglyphs"/>
+                <a:cs typeface="Noto Sans Lao UI"/>
+              </a:rPr>
+              <a:t>e</a:t>
+            </a:r>
+            <a:r>
+              <a:rPr b="0" sz="1800" lang="en-US">
+                <a:solidFill>
+                  <a:srgbClr val="000000"/>
+                </a:solidFill>
+                <a:latin typeface="Noto Sans Egyptian Hieroglyphs"/>
+                <a:cs typeface="Noto Sans Lao UI"/>
+              </a:rPr>
+              <a:t> </a:t>
+            </a:r>
+            <a:r>
+              <a:rPr b="0" sz="1800" lang="en-US">
+                <a:solidFill>
+                  <a:srgbClr val="000000"/>
+                </a:solidFill>
+                <a:latin typeface="Noto Sans Egyptian Hieroglyphs"/>
+                <a:cs typeface="Noto Sans Lao UI"/>
+              </a:rPr>
+              <a:t>l</a:t>
+            </a:r>
+            <a:r>
+              <a:rPr b="0" sz="1800" lang="en-US">
+                <a:solidFill>
+                  <a:srgbClr val="000000"/>
+                </a:solidFill>
+                <a:latin typeface="Noto Sans Egyptian Hieroglyphs"/>
+                <a:cs typeface="Noto Sans Lao UI"/>
+              </a:rPr>
+              <a:t>a</a:t>
+            </a:r>
+            <a:r>
+              <a:rPr b="0" sz="1800" lang="en-US">
+                <a:solidFill>
+                  <a:srgbClr val="000000"/>
+                </a:solidFill>
+                <a:latin typeface="Noto Sans Egyptian Hieroglyphs"/>
+                <a:cs typeface="Noto Sans Lao UI"/>
+              </a:rPr>
+              <a:t>r</a:t>
+            </a:r>
+            <a:r>
+              <a:rPr b="0" sz="1800" lang="en-US">
+                <a:solidFill>
+                  <a:srgbClr val="000000"/>
+                </a:solidFill>
+                <a:latin typeface="Noto Sans Egyptian Hieroglyphs"/>
+                <a:cs typeface="Noto Sans Lao UI"/>
+              </a:rPr>
+              <a:t>g</a:t>
+            </a:r>
+            <a:r>
+              <a:rPr b="0" sz="1800" lang="en-US">
+                <a:solidFill>
+                  <a:srgbClr val="000000"/>
+                </a:solidFill>
+                <a:latin typeface="Noto Sans Egyptian Hieroglyphs"/>
+                <a:cs typeface="Noto Sans Lao UI"/>
+              </a:rPr>
+              <a:t>e</a:t>
+            </a:r>
+            <a:r>
+              <a:rPr b="0" sz="1800" lang="en-US">
+                <a:solidFill>
+                  <a:srgbClr val="000000"/>
+                </a:solidFill>
+                <a:latin typeface="Noto Sans Egyptian Hieroglyphs"/>
+                <a:cs typeface="Noto Sans Lao UI"/>
+              </a:rPr>
+              <a:t>s</a:t>
+            </a:r>
+            <a:r>
+              <a:rPr b="0" sz="1800" lang="en-US">
+                <a:solidFill>
+                  <a:srgbClr val="000000"/>
+                </a:solidFill>
+                <a:latin typeface="Noto Sans Egyptian Hieroglyphs"/>
+                <a:cs typeface="Noto Sans Lao UI"/>
+              </a:rPr>
+              <a:t>t</a:t>
+            </a:r>
+            <a:r>
+              <a:rPr b="0" sz="1800" lang="en-US">
+                <a:solidFill>
+                  <a:srgbClr val="000000"/>
+                </a:solidFill>
+                <a:latin typeface="Noto Sans Egyptian Hieroglyphs"/>
+                <a:cs typeface="Noto Sans Lao UI"/>
+              </a:rPr>
+              <a:t> </a:t>
+            </a:r>
+            <a:r>
+              <a:rPr b="0" sz="1800" lang="en-US">
+                <a:solidFill>
+                  <a:srgbClr val="000000"/>
+                </a:solidFill>
+                <a:latin typeface="Noto Sans Egyptian Hieroglyphs"/>
+                <a:cs typeface="Noto Sans Lao UI"/>
+              </a:rPr>
+              <a:t>p</a:t>
+            </a:r>
+            <a:r>
+              <a:rPr b="0" sz="1800" lang="en-US">
+                <a:solidFill>
+                  <a:srgbClr val="000000"/>
+                </a:solidFill>
+                <a:latin typeface="Noto Sans Egyptian Hieroglyphs"/>
+                <a:cs typeface="Noto Sans Lao UI"/>
+              </a:rPr>
+              <a:t>o</a:t>
+            </a:r>
+            <a:r>
+              <a:rPr b="0" sz="1800" lang="en-US">
+                <a:solidFill>
+                  <a:srgbClr val="000000"/>
+                </a:solidFill>
+                <a:latin typeface="Noto Sans Egyptian Hieroglyphs"/>
+                <a:cs typeface="Noto Sans Lao UI"/>
+              </a:rPr>
+              <a:t>r</a:t>
+            </a:r>
+            <a:r>
+              <a:rPr b="0" sz="1800" lang="en-US">
+                <a:solidFill>
+                  <a:srgbClr val="000000"/>
+                </a:solidFill>
+                <a:latin typeface="Noto Sans Egyptian Hieroglyphs"/>
+                <a:cs typeface="Noto Sans Lao UI"/>
+              </a:rPr>
+              <a:t>t</a:t>
+            </a:r>
+            <a:r>
+              <a:rPr b="0" sz="1800" lang="en-US">
+                <a:solidFill>
+                  <a:srgbClr val="000000"/>
+                </a:solidFill>
+                <a:latin typeface="Noto Sans Egyptian Hieroglyphs"/>
+                <a:cs typeface="Noto Sans Lao UI"/>
+              </a:rPr>
+              <a:t>i</a:t>
+            </a:r>
+            <a:r>
+              <a:rPr b="0" sz="1800" lang="en-US">
+                <a:solidFill>
+                  <a:srgbClr val="000000"/>
+                </a:solidFill>
+                <a:latin typeface="Noto Sans Egyptian Hieroglyphs"/>
+                <a:cs typeface="Noto Sans Lao UI"/>
+              </a:rPr>
+              <a:t>o</a:t>
+            </a:r>
+            <a:r>
+              <a:rPr b="0" sz="1800" lang="en-US">
+                <a:solidFill>
+                  <a:srgbClr val="000000"/>
+                </a:solidFill>
+                <a:latin typeface="Noto Sans Egyptian Hieroglyphs"/>
+                <a:cs typeface="Noto Sans Lao UI"/>
+              </a:rPr>
+              <a:t>n</a:t>
+            </a:r>
+            <a:r>
+              <a:rPr b="0" sz="1800" lang="en-US">
+                <a:solidFill>
+                  <a:srgbClr val="000000"/>
+                </a:solidFill>
+                <a:latin typeface="Noto Sans Egyptian Hieroglyphs"/>
+                <a:cs typeface="Noto Sans Lao UI"/>
+              </a:rPr>
+              <a:t> </a:t>
+            </a:r>
+            <a:r>
+              <a:rPr b="0" sz="1800" lang="en-US">
+                <a:solidFill>
+                  <a:srgbClr val="000000"/>
+                </a:solidFill>
+                <a:latin typeface="Noto Sans Egyptian Hieroglyphs"/>
+                <a:cs typeface="Noto Sans Lao UI"/>
+              </a:rPr>
+              <a:t>o</a:t>
+            </a:r>
+            <a:r>
+              <a:rPr b="0" sz="1800" lang="en-US">
+                <a:solidFill>
+                  <a:srgbClr val="000000"/>
+                </a:solidFill>
+                <a:latin typeface="Noto Sans Egyptian Hieroglyphs"/>
+                <a:cs typeface="Noto Sans Lao UI"/>
+              </a:rPr>
+              <a:t>f</a:t>
+            </a:r>
+            <a:r>
+              <a:rPr b="0" sz="1800" lang="en-US">
+                <a:solidFill>
+                  <a:srgbClr val="000000"/>
+                </a:solidFill>
+                <a:latin typeface="Noto Sans Egyptian Hieroglyphs"/>
+                <a:cs typeface="Noto Sans Lao UI"/>
+              </a:rPr>
+              <a:t> </a:t>
+            </a:r>
+            <a:r>
+              <a:rPr b="0" sz="1800" lang="en-US">
+                <a:solidFill>
+                  <a:srgbClr val="000000"/>
+                </a:solidFill>
+                <a:latin typeface="Noto Sans Egyptian Hieroglyphs"/>
+                <a:cs typeface="Noto Sans Lao UI"/>
+              </a:rPr>
+              <a:t>t</a:t>
+            </a:r>
+            <a:r>
+              <a:rPr b="0" sz="1800" lang="en-US">
+                <a:solidFill>
+                  <a:srgbClr val="000000"/>
+                </a:solidFill>
+                <a:latin typeface="Noto Sans Egyptian Hieroglyphs"/>
+                <a:cs typeface="Noto Sans Lao UI"/>
+              </a:rPr>
+              <a:t>h</a:t>
+            </a:r>
+            <a:r>
+              <a:rPr b="0" sz="1800" lang="en-US">
+                <a:solidFill>
+                  <a:srgbClr val="000000"/>
+                </a:solidFill>
+                <a:latin typeface="Noto Sans Egyptian Hieroglyphs"/>
+                <a:cs typeface="Noto Sans Lao UI"/>
+              </a:rPr>
+              <a:t>e</a:t>
+            </a:r>
+            <a:r>
+              <a:rPr b="0" sz="1800" lang="en-US">
+                <a:solidFill>
+                  <a:srgbClr val="000000"/>
+                </a:solidFill>
+                <a:latin typeface="Noto Sans Egyptian Hieroglyphs"/>
+                <a:cs typeface="Noto Sans Lao UI"/>
+              </a:rPr>
+              <a:t> </a:t>
+            </a:r>
+            <a:r>
+              <a:rPr b="0" sz="1800" lang="en-US">
+                <a:solidFill>
+                  <a:srgbClr val="000000"/>
+                </a:solidFill>
+                <a:latin typeface="Noto Sans Egyptian Hieroglyphs"/>
+                <a:cs typeface="Noto Sans Lao UI"/>
+              </a:rPr>
+              <a:t>r</a:t>
+            </a:r>
+            <a:r>
+              <a:rPr b="0" sz="1800" lang="en-US">
+                <a:solidFill>
+                  <a:srgbClr val="000000"/>
+                </a:solidFill>
+                <a:latin typeface="Noto Sans Egyptian Hieroglyphs"/>
+                <a:cs typeface="Noto Sans Lao UI"/>
+              </a:rPr>
+              <a:t>a</a:t>
+            </a:r>
+            <a:r>
+              <a:rPr b="0" sz="1800" lang="en-US">
+                <a:solidFill>
+                  <a:srgbClr val="000000"/>
+                </a:solidFill>
+                <a:latin typeface="Noto Sans Egyptian Hieroglyphs"/>
+                <a:cs typeface="Noto Sans Lao UI"/>
+              </a:rPr>
+              <a:t>t</a:t>
+            </a:r>
+            <a:r>
+              <a:rPr b="0" sz="1800" lang="en-US">
+                <a:solidFill>
+                  <a:srgbClr val="000000"/>
+                </a:solidFill>
+                <a:latin typeface="Noto Sans Egyptian Hieroglyphs"/>
+                <a:cs typeface="Noto Sans Lao UI"/>
+              </a:rPr>
+              <a:t>i</a:t>
+            </a:r>
+            <a:r>
+              <a:rPr b="0" sz="1800" lang="en-US">
+                <a:solidFill>
+                  <a:srgbClr val="000000"/>
+                </a:solidFill>
+                <a:latin typeface="Noto Sans Egyptian Hieroglyphs"/>
+                <a:cs typeface="Noto Sans Lao UI"/>
+              </a:rPr>
+              <a:t>n</a:t>
+            </a:r>
+            <a:r>
+              <a:rPr b="0" sz="1800" lang="en-US">
+                <a:solidFill>
+                  <a:srgbClr val="000000"/>
+                </a:solidFill>
+                <a:latin typeface="Noto Sans Egyptian Hieroglyphs"/>
+                <a:cs typeface="Noto Sans Lao UI"/>
+              </a:rPr>
+              <a:t>g</a:t>
+            </a:r>
+            <a:r>
+              <a:rPr b="0" sz="1800" lang="en-US">
+                <a:solidFill>
+                  <a:srgbClr val="000000"/>
+                </a:solidFill>
+                <a:latin typeface="Noto Sans Egyptian Hieroglyphs"/>
+                <a:cs typeface="Noto Sans Lao UI"/>
+              </a:rPr>
+              <a:t> </a:t>
+            </a:r>
+            <a:r>
+              <a:rPr b="0" sz="1800" lang="en-US">
+                <a:solidFill>
+                  <a:srgbClr val="000000"/>
+                </a:solidFill>
+                <a:latin typeface="Noto Sans Egyptian Hieroglyphs"/>
+                <a:cs typeface="Noto Sans Lao UI"/>
+              </a:rPr>
+              <a:t>p</a:t>
+            </a:r>
+            <a:r>
+              <a:rPr b="0" sz="1800" lang="en-US">
+                <a:solidFill>
+                  <a:srgbClr val="000000"/>
+                </a:solidFill>
+                <a:latin typeface="Noto Sans Egyptian Hieroglyphs"/>
+                <a:cs typeface="Noto Sans Lao UI"/>
+              </a:rPr>
+              <a:t>i</a:t>
+            </a:r>
+            <a:r>
+              <a:rPr b="0" sz="1800" lang="en-US">
+                <a:solidFill>
+                  <a:srgbClr val="000000"/>
+                </a:solidFill>
+                <a:latin typeface="Noto Sans Egyptian Hieroglyphs"/>
+                <a:cs typeface="Noto Sans Lao UI"/>
+              </a:rPr>
+              <a:t>e</a:t>
+            </a:r>
+            <a:r>
+              <a:rPr b="0" sz="1800" lang="en-US">
+                <a:solidFill>
+                  <a:srgbClr val="000000"/>
+                </a:solidFill>
+                <a:latin typeface="Noto Sans Egyptian Hieroglyphs"/>
+                <a:cs typeface="Noto Sans Lao UI"/>
+              </a:rPr>
+              <a:t> </a:t>
+            </a:r>
+            <a:r>
+              <a:rPr b="0" sz="1800" lang="en-US">
+                <a:solidFill>
+                  <a:srgbClr val="000000"/>
+                </a:solidFill>
+                <a:latin typeface="Noto Sans Egyptian Hieroglyphs"/>
+                <a:cs typeface="Noto Sans Lao UI"/>
+              </a:rPr>
+              <a:t>c</a:t>
+            </a:r>
+            <a:r>
+              <a:rPr b="0" sz="1800" lang="en-US">
+                <a:solidFill>
+                  <a:srgbClr val="000000"/>
+                </a:solidFill>
+                <a:latin typeface="Noto Sans Egyptian Hieroglyphs"/>
+                <a:cs typeface="Noto Sans Lao UI"/>
+              </a:rPr>
+              <a:t>h</a:t>
+            </a:r>
+            <a:r>
+              <a:rPr b="0" sz="1800" lang="en-US">
+                <a:solidFill>
+                  <a:srgbClr val="000000"/>
+                </a:solidFill>
+                <a:latin typeface="Noto Sans Egyptian Hieroglyphs"/>
+                <a:cs typeface="Noto Sans Lao UI"/>
+              </a:rPr>
+              <a:t>a</a:t>
+            </a:r>
+            <a:r>
+              <a:rPr b="0" sz="1800" lang="en-US">
+                <a:solidFill>
+                  <a:srgbClr val="000000"/>
+                </a:solidFill>
+                <a:latin typeface="Noto Sans Egyptian Hieroglyphs"/>
+                <a:cs typeface="Noto Sans Lao UI"/>
+              </a:rPr>
+              <a:t>r</a:t>
+            </a:r>
+            <a:r>
+              <a:rPr b="0" sz="1800" lang="en-US">
+                <a:solidFill>
+                  <a:srgbClr val="000000"/>
+                </a:solidFill>
+                <a:latin typeface="Noto Sans Egyptian Hieroglyphs"/>
+                <a:cs typeface="Noto Sans Lao UI"/>
+              </a:rPr>
+              <a:t>t</a:t>
+            </a:r>
+            <a:r>
+              <a:rPr b="0" sz="1800" lang="en-US">
+                <a:solidFill>
+                  <a:srgbClr val="000000"/>
+                </a:solidFill>
+                <a:latin typeface="Noto Sans Egyptian Hieroglyphs"/>
+                <a:cs typeface="Noto Sans Lao UI"/>
+              </a:rPr>
+              <a:t>,</a:t>
+            </a:r>
+            <a:r>
+              <a:rPr b="0" sz="1800" lang="en-US">
+                <a:solidFill>
+                  <a:srgbClr val="000000"/>
+                </a:solidFill>
+                <a:latin typeface="Noto Sans Egyptian Hieroglyphs"/>
+                <a:cs typeface="Noto Sans Lao UI"/>
+              </a:rPr>
+              <a:t> </a:t>
+            </a:r>
+            <a:r>
+              <a:rPr b="0" sz="1800" lang="en-US">
+                <a:solidFill>
+                  <a:srgbClr val="000000"/>
+                </a:solidFill>
+                <a:latin typeface="Noto Sans Egyptian Hieroglyphs"/>
+                <a:cs typeface="Noto Sans Lao UI"/>
+              </a:rPr>
+              <a:t>i</a:t>
+            </a:r>
+            <a:r>
+              <a:rPr b="0" sz="1800" lang="en-US">
+                <a:solidFill>
+                  <a:srgbClr val="000000"/>
+                </a:solidFill>
+                <a:latin typeface="Noto Sans Egyptian Hieroglyphs"/>
+                <a:cs typeface="Noto Sans Lao UI"/>
+              </a:rPr>
+              <a:t>n</a:t>
+            </a:r>
+            <a:r>
+              <a:rPr b="0" sz="1800" lang="en-US">
+                <a:solidFill>
+                  <a:srgbClr val="000000"/>
+                </a:solidFill>
+                <a:latin typeface="Noto Sans Egyptian Hieroglyphs"/>
+                <a:cs typeface="Noto Sans Lao UI"/>
+              </a:rPr>
+              <a:t>d</a:t>
+            </a:r>
+            <a:r>
+              <a:rPr b="0" sz="1800" lang="en-US">
+                <a:solidFill>
+                  <a:srgbClr val="000000"/>
+                </a:solidFill>
+                <a:latin typeface="Noto Sans Egyptian Hieroglyphs"/>
+                <a:cs typeface="Noto Sans Lao UI"/>
+              </a:rPr>
+              <a:t>i</a:t>
+            </a:r>
+            <a:r>
+              <a:rPr b="0" sz="1800" lang="en-US">
+                <a:solidFill>
+                  <a:srgbClr val="000000"/>
+                </a:solidFill>
+                <a:latin typeface="Noto Sans Egyptian Hieroglyphs"/>
+                <a:cs typeface="Noto Sans Lao UI"/>
+              </a:rPr>
+              <a:t>c</a:t>
+            </a:r>
+            <a:r>
+              <a:rPr b="0" sz="1800" lang="en-US">
+                <a:solidFill>
+                  <a:srgbClr val="000000"/>
+                </a:solidFill>
+                <a:latin typeface="Noto Sans Egyptian Hieroglyphs"/>
+                <a:cs typeface="Noto Sans Lao UI"/>
+              </a:rPr>
+              <a:t>a</a:t>
+            </a:r>
+            <a:r>
+              <a:rPr b="0" sz="1800" lang="en-US">
+                <a:solidFill>
+                  <a:srgbClr val="000000"/>
+                </a:solidFill>
+                <a:latin typeface="Noto Sans Egyptian Hieroglyphs"/>
+                <a:cs typeface="Noto Sans Lao UI"/>
+              </a:rPr>
+              <a:t>t</a:t>
+            </a:r>
+            <a:r>
+              <a:rPr b="0" sz="1800" lang="en-US">
+                <a:solidFill>
+                  <a:srgbClr val="000000"/>
+                </a:solidFill>
+                <a:latin typeface="Noto Sans Egyptian Hieroglyphs"/>
+                <a:cs typeface="Noto Sans Lao UI"/>
+              </a:rPr>
+              <a:t>i</a:t>
+            </a:r>
+            <a:r>
+              <a:rPr b="0" sz="1800" lang="en-US">
+                <a:solidFill>
+                  <a:srgbClr val="000000"/>
+                </a:solidFill>
+                <a:latin typeface="Noto Sans Egyptian Hieroglyphs"/>
+                <a:cs typeface="Noto Sans Lao UI"/>
+              </a:rPr>
+              <a:t>n</a:t>
+            </a:r>
+            <a:r>
+              <a:rPr b="0" sz="1800" lang="en-US">
+                <a:solidFill>
+                  <a:srgbClr val="000000"/>
+                </a:solidFill>
+                <a:latin typeface="Noto Sans Egyptian Hieroglyphs"/>
+                <a:cs typeface="Noto Sans Lao UI"/>
+              </a:rPr>
+              <a:t>g</a:t>
+            </a:r>
+            <a:r>
+              <a:rPr b="0" sz="1800" lang="en-US">
+                <a:solidFill>
+                  <a:srgbClr val="000000"/>
+                </a:solidFill>
+                <a:latin typeface="Noto Sans Egyptian Hieroglyphs"/>
+                <a:cs typeface="Noto Sans Lao UI"/>
+              </a:rPr>
+              <a:t> </a:t>
+            </a:r>
+            <a:r>
+              <a:rPr b="0" sz="1800" lang="en-US">
+                <a:solidFill>
+                  <a:srgbClr val="000000"/>
+                </a:solidFill>
+                <a:latin typeface="Noto Sans Egyptian Hieroglyphs"/>
+                <a:cs typeface="Noto Sans Lao UI"/>
+              </a:rPr>
+              <a:t>a</a:t>
+            </a:r>
+            <a:r>
+              <a:rPr b="0" sz="1800" lang="en-US">
+                <a:solidFill>
+                  <a:srgbClr val="000000"/>
+                </a:solidFill>
+                <a:latin typeface="Noto Sans Egyptian Hieroglyphs"/>
+                <a:cs typeface="Noto Sans Lao UI"/>
+              </a:rPr>
+              <a:t> </a:t>
+            </a:r>
+            <a:r>
+              <a:rPr b="0" sz="1800" lang="en-US">
+                <a:solidFill>
+                  <a:srgbClr val="000000"/>
+                </a:solidFill>
+                <a:latin typeface="Noto Sans Egyptian Hieroglyphs"/>
+                <a:cs typeface="Noto Sans Lao UI"/>
+              </a:rPr>
+              <a:t> </a:t>
+            </a:r>
+            <a:r>
+              <a:rPr b="0" sz="1800" lang="en-US">
+                <a:solidFill>
+                  <a:srgbClr val="000000"/>
+                </a:solidFill>
+                <a:latin typeface="Noto Sans Egyptian Hieroglyphs"/>
+                <a:cs typeface="Noto Sans Lao UI"/>
+              </a:rPr>
+              <a:t>s</a:t>
+            </a:r>
+            <a:r>
+              <a:rPr b="0" sz="1800" lang="en-US">
+                <a:solidFill>
+                  <a:srgbClr val="000000"/>
+                </a:solidFill>
+                <a:latin typeface="Noto Sans Egyptian Hieroglyphs"/>
+                <a:cs typeface="Noto Sans Lao UI"/>
+              </a:rPr>
+              <a:t>t</a:t>
+            </a:r>
+            <a:r>
+              <a:rPr b="0" sz="1800" lang="en-US">
+                <a:solidFill>
+                  <a:srgbClr val="000000"/>
+                </a:solidFill>
+                <a:latin typeface="Noto Sans Egyptian Hieroglyphs"/>
+                <a:cs typeface="Noto Sans Lao UI"/>
+              </a:rPr>
+              <a:t>r</a:t>
+            </a:r>
+            <a:r>
+              <a:rPr b="0" sz="1800" lang="en-US">
+                <a:solidFill>
+                  <a:srgbClr val="000000"/>
+                </a:solidFill>
+                <a:latin typeface="Noto Sans Egyptian Hieroglyphs"/>
+                <a:cs typeface="Noto Sans Lao UI"/>
+              </a:rPr>
+              <a:t>o</a:t>
+            </a:r>
+            <a:r>
+              <a:rPr b="0" sz="1800" lang="en-US">
+                <a:solidFill>
+                  <a:srgbClr val="000000"/>
+                </a:solidFill>
+                <a:latin typeface="Noto Sans Egyptian Hieroglyphs"/>
+                <a:cs typeface="Noto Sans Lao UI"/>
+              </a:rPr>
+              <a:t>n</a:t>
+            </a:r>
+            <a:r>
+              <a:rPr b="0" sz="1800" lang="en-US">
+                <a:solidFill>
+                  <a:srgbClr val="000000"/>
+                </a:solidFill>
+                <a:latin typeface="Noto Sans Egyptian Hieroglyphs"/>
+                <a:cs typeface="Noto Sans Lao UI"/>
+              </a:rPr>
+              <a:t>g</a:t>
+            </a:r>
+            <a:r>
+              <a:rPr b="0" sz="1800" lang="en-US">
+                <a:solidFill>
+                  <a:srgbClr val="000000"/>
+                </a:solidFill>
+                <a:latin typeface="Noto Sans Egyptian Hieroglyphs"/>
+                <a:cs typeface="Noto Sans Lao UI"/>
+              </a:rPr>
+              <a:t> </a:t>
+            </a:r>
+            <a:r>
+              <a:rPr b="0" sz="1800" lang="en-US">
+                <a:solidFill>
+                  <a:srgbClr val="000000"/>
+                </a:solidFill>
+                <a:latin typeface="Noto Sans Egyptian Hieroglyphs"/>
+                <a:cs typeface="Noto Sans Lao UI"/>
+              </a:rPr>
+              <a:t>p</a:t>
+            </a:r>
+            <a:r>
+              <a:rPr b="0" sz="1800" lang="en-US">
+                <a:solidFill>
+                  <a:srgbClr val="000000"/>
+                </a:solidFill>
+                <a:latin typeface="Noto Sans Egyptian Hieroglyphs"/>
+                <a:cs typeface="Noto Sans Lao UI"/>
+              </a:rPr>
+              <a:t>e</a:t>
+            </a:r>
+            <a:r>
+              <a:rPr b="0" sz="1800" lang="en-US">
+                <a:solidFill>
+                  <a:srgbClr val="000000"/>
+                </a:solidFill>
+                <a:latin typeface="Noto Sans Egyptian Hieroglyphs"/>
+                <a:cs typeface="Noto Sans Lao UI"/>
+              </a:rPr>
+              <a:t>r</a:t>
+            </a:r>
+            <a:r>
+              <a:rPr b="0" sz="1800" lang="en-US">
+                <a:solidFill>
+                  <a:srgbClr val="000000"/>
+                </a:solidFill>
+                <a:latin typeface="Noto Sans Egyptian Hieroglyphs"/>
+                <a:cs typeface="Noto Sans Lao UI"/>
+              </a:rPr>
+              <a:t>f</a:t>
+            </a:r>
+            <a:r>
+              <a:rPr b="0" sz="1800" lang="en-US">
+                <a:solidFill>
+                  <a:srgbClr val="000000"/>
+                </a:solidFill>
+                <a:latin typeface="Noto Sans Egyptian Hieroglyphs"/>
+                <a:cs typeface="Noto Sans Lao UI"/>
+              </a:rPr>
+              <a:t>o</a:t>
+            </a:r>
+            <a:r>
+              <a:rPr b="0" sz="1800" lang="en-US">
+                <a:solidFill>
+                  <a:srgbClr val="000000"/>
+                </a:solidFill>
+                <a:latin typeface="Noto Sans Egyptian Hieroglyphs"/>
+                <a:cs typeface="Noto Sans Lao UI"/>
+              </a:rPr>
+              <a:t>r</a:t>
+            </a:r>
+            <a:r>
+              <a:rPr b="0" sz="1800" lang="en-US">
+                <a:solidFill>
+                  <a:srgbClr val="000000"/>
+                </a:solidFill>
+                <a:latin typeface="Noto Sans Egyptian Hieroglyphs"/>
+                <a:cs typeface="Noto Sans Lao UI"/>
+              </a:rPr>
+              <a:t>m</a:t>
+            </a:r>
+            <a:r>
+              <a:rPr b="0" sz="1800" lang="en-US">
+                <a:solidFill>
+                  <a:srgbClr val="000000"/>
+                </a:solidFill>
+                <a:latin typeface="Noto Sans Egyptian Hieroglyphs"/>
+                <a:cs typeface="Noto Sans Lao UI"/>
+              </a:rPr>
+              <a:t>a</a:t>
+            </a:r>
+            <a:r>
+              <a:rPr b="0" sz="1800" lang="en-US">
+                <a:solidFill>
+                  <a:srgbClr val="000000"/>
+                </a:solidFill>
+                <a:latin typeface="Noto Sans Egyptian Hieroglyphs"/>
+                <a:cs typeface="Noto Sans Lao UI"/>
+              </a:rPr>
+              <a:t>n</a:t>
+            </a:r>
+            <a:r>
+              <a:rPr b="0" sz="1800" lang="en-US">
+                <a:solidFill>
+                  <a:srgbClr val="000000"/>
+                </a:solidFill>
+                <a:latin typeface="Noto Sans Egyptian Hieroglyphs"/>
+                <a:cs typeface="Noto Sans Lao UI"/>
+              </a:rPr>
+              <a:t>c</a:t>
+            </a:r>
+            <a:r>
+              <a:rPr b="0" sz="1800" lang="en-US">
+                <a:solidFill>
+                  <a:srgbClr val="000000"/>
+                </a:solidFill>
+                <a:latin typeface="Noto Sans Egyptian Hieroglyphs"/>
+                <a:cs typeface="Noto Sans Lao UI"/>
+              </a:rPr>
+              <a:t>e</a:t>
+            </a:r>
+            <a:r>
+              <a:rPr b="0" sz="1800" lang="en-US">
+                <a:solidFill>
+                  <a:srgbClr val="000000"/>
+                </a:solidFill>
+                <a:latin typeface="Noto Sans Egyptian Hieroglyphs"/>
+                <a:cs typeface="Noto Sans Lao UI"/>
+              </a:rPr>
+              <a:t> </a:t>
+            </a:r>
+            <a:r>
+              <a:rPr b="0" sz="1800" lang="en-US">
+                <a:solidFill>
+                  <a:srgbClr val="000000"/>
+                </a:solidFill>
+                <a:latin typeface="Noto Sans Egyptian Hieroglyphs"/>
+                <a:cs typeface="Noto Sans Lao UI"/>
+              </a:rPr>
+              <a:t>c</a:t>
+            </a:r>
+            <a:r>
+              <a:rPr b="0" sz="1800" lang="en-US">
+                <a:solidFill>
+                  <a:srgbClr val="000000"/>
+                </a:solidFill>
+                <a:latin typeface="Noto Sans Egyptian Hieroglyphs"/>
+                <a:cs typeface="Noto Sans Lao UI"/>
+              </a:rPr>
+              <a:t>o</a:t>
+            </a:r>
+            <a:r>
+              <a:rPr b="0" sz="1800" lang="en-US">
+                <a:solidFill>
+                  <a:srgbClr val="000000"/>
+                </a:solidFill>
+                <a:latin typeface="Noto Sans Egyptian Hieroglyphs"/>
+                <a:cs typeface="Noto Sans Lao UI"/>
+              </a:rPr>
+              <a:t>m</a:t>
+            </a:r>
+            <a:r>
+              <a:rPr b="0" sz="1800" lang="en-US">
+                <a:solidFill>
+                  <a:srgbClr val="000000"/>
+                </a:solidFill>
+                <a:latin typeface="Noto Sans Egyptian Hieroglyphs"/>
+                <a:cs typeface="Noto Sans Lao UI"/>
+              </a:rPr>
+              <a:t>p</a:t>
+            </a:r>
+            <a:r>
+              <a:rPr b="0" sz="1800" lang="en-US">
+                <a:solidFill>
+                  <a:srgbClr val="000000"/>
+                </a:solidFill>
+                <a:latin typeface="Noto Sans Egyptian Hieroglyphs"/>
+                <a:cs typeface="Noto Sans Lao UI"/>
+              </a:rPr>
+              <a:t>a</a:t>
+            </a:r>
+            <a:r>
+              <a:rPr b="0" sz="1800" lang="en-US">
+                <a:solidFill>
+                  <a:srgbClr val="000000"/>
+                </a:solidFill>
+                <a:latin typeface="Noto Sans Egyptian Hieroglyphs"/>
+                <a:cs typeface="Noto Sans Lao UI"/>
+              </a:rPr>
+              <a:t>r</a:t>
+            </a:r>
+            <a:r>
+              <a:rPr b="0" sz="1800" lang="en-US">
+                <a:solidFill>
+                  <a:srgbClr val="000000"/>
+                </a:solidFill>
+                <a:latin typeface="Noto Sans Egyptian Hieroglyphs"/>
+                <a:cs typeface="Noto Sans Lao UI"/>
+              </a:rPr>
+              <a:t>e</a:t>
+            </a:r>
+            <a:r>
+              <a:rPr b="0" sz="1800" lang="en-US">
+                <a:solidFill>
+                  <a:srgbClr val="000000"/>
+                </a:solidFill>
+                <a:latin typeface="Noto Sans Egyptian Hieroglyphs"/>
+                <a:cs typeface="Noto Sans Lao UI"/>
+              </a:rPr>
+              <a:t>d</a:t>
+            </a:r>
+            <a:r>
+              <a:rPr b="0" sz="1800" lang="en-US">
+                <a:solidFill>
+                  <a:srgbClr val="000000"/>
+                </a:solidFill>
+                <a:latin typeface="Noto Sans Egyptian Hieroglyphs"/>
+                <a:cs typeface="Noto Sans Lao UI"/>
+              </a:rPr>
+              <a:t> </a:t>
+            </a:r>
+            <a:r>
+              <a:rPr b="0" sz="1800" lang="en-US">
+                <a:solidFill>
+                  <a:srgbClr val="000000"/>
+                </a:solidFill>
+                <a:latin typeface="Noto Sans Egyptian Hieroglyphs"/>
+                <a:cs typeface="Noto Sans Lao UI"/>
+              </a:rPr>
+              <a:t>t</a:t>
+            </a:r>
+            <a:r>
+              <a:rPr b="0" sz="1800" lang="en-US">
+                <a:solidFill>
+                  <a:srgbClr val="000000"/>
+                </a:solidFill>
+                <a:latin typeface="Noto Sans Egyptian Hieroglyphs"/>
+                <a:cs typeface="Noto Sans Lao UI"/>
+              </a:rPr>
+              <a:t>o</a:t>
+            </a:r>
+            <a:r>
+              <a:rPr b="0" sz="1800" lang="en-US">
+                <a:solidFill>
+                  <a:srgbClr val="000000"/>
+                </a:solidFill>
+                <a:latin typeface="Noto Sans Egyptian Hieroglyphs"/>
+                <a:cs typeface="Noto Sans Lao UI"/>
+              </a:rPr>
+              <a:t> </a:t>
+            </a:r>
+            <a:r>
+              <a:rPr b="0" sz="1800" lang="en-US">
+                <a:solidFill>
+                  <a:srgbClr val="000000"/>
+                </a:solidFill>
+                <a:latin typeface="Noto Sans Egyptian Hieroglyphs"/>
+                <a:cs typeface="Noto Sans Lao UI"/>
+              </a:rPr>
+              <a:t>o</a:t>
+            </a:r>
+            <a:r>
+              <a:rPr b="0" sz="1800" lang="en-US">
+                <a:solidFill>
+                  <a:srgbClr val="000000"/>
+                </a:solidFill>
+                <a:latin typeface="Noto Sans Egyptian Hieroglyphs"/>
+                <a:cs typeface="Noto Sans Lao UI"/>
+              </a:rPr>
+              <a:t>t</a:t>
+            </a:r>
+            <a:r>
+              <a:rPr b="0" sz="1800" lang="en-US">
+                <a:solidFill>
+                  <a:srgbClr val="000000"/>
+                </a:solidFill>
+                <a:latin typeface="Noto Sans Egyptian Hieroglyphs"/>
+                <a:cs typeface="Noto Sans Lao UI"/>
+              </a:rPr>
+              <a:t>h</a:t>
+            </a:r>
+            <a:r>
+              <a:rPr b="0" sz="1800" lang="en-US">
+                <a:solidFill>
+                  <a:srgbClr val="000000"/>
+                </a:solidFill>
+                <a:latin typeface="Noto Sans Egyptian Hieroglyphs"/>
+                <a:cs typeface="Noto Sans Lao UI"/>
+              </a:rPr>
+              <a:t>e</a:t>
+            </a:r>
+            <a:r>
+              <a:rPr b="0" sz="1800" lang="en-US">
+                <a:solidFill>
+                  <a:srgbClr val="000000"/>
+                </a:solidFill>
+                <a:latin typeface="Noto Sans Egyptian Hieroglyphs"/>
+                <a:cs typeface="Noto Sans Lao UI"/>
+              </a:rPr>
+              <a:t>r</a:t>
+            </a:r>
+            <a:r>
+              <a:rPr b="0" sz="1800" lang="en-US">
+                <a:solidFill>
+                  <a:srgbClr val="000000"/>
+                </a:solidFill>
+                <a:latin typeface="Noto Sans Egyptian Hieroglyphs"/>
+                <a:cs typeface="Noto Sans Lao UI"/>
+              </a:rPr>
+              <a:t>.</a:t>
+            </a:r>
+            <a:r>
+              <a:rPr b="0" sz="1800" lang="en-US">
+                <a:solidFill>
+                  <a:srgbClr val="000000"/>
+                </a:solidFill>
+                <a:latin typeface="Noto Sans Egyptian Hieroglyphs"/>
+                <a:cs typeface="Noto Sans Lao UI"/>
+              </a:rPr>
+              <a:t> </a:t>
+            </a:r>
+            <a:endParaRPr b="0" sz="1600" lang="en-IN">
+              <a:solidFill>
+                <a:srgbClr val="000000"/>
+              </a:solidFill>
+              <a:latin typeface="Noto Sans Egyptian Hieroglyphs"/>
+              <a:cs typeface="Noto Sans Lao UI"/>
+            </a:endParaRPr>
+          </a:p>
+          <a:p>
+            <a:r>
+              <a:rPr b="0" sz="1800" lang="en-US">
+                <a:solidFill>
+                  <a:srgbClr val="000000"/>
+                </a:solidFill>
+                <a:latin typeface="Noto Sans Egyptian Hieroglyphs"/>
+                <a:cs typeface="Noto Sans Lao UI"/>
+              </a:rPr>
+              <a:t> </a:t>
+            </a:r>
+            <a:r>
+              <a:rPr b="0" sz="1800" lang="en-US">
+                <a:solidFill>
+                  <a:srgbClr val="000000"/>
+                </a:solidFill>
+                <a:latin typeface="Noto Sans Egyptian Hieroglyphs"/>
+                <a:cs typeface="Noto Sans Lao UI"/>
+              </a:rPr>
+              <a:t> </a:t>
+            </a:r>
+            <a:r>
+              <a:rPr b="0" sz="1800" lang="en-US">
+                <a:solidFill>
+                  <a:srgbClr val="000000"/>
+                </a:solidFill>
+                <a:latin typeface="Noto Sans Egyptian Hieroglyphs"/>
+                <a:cs typeface="Noto Sans Lao UI"/>
+              </a:rPr>
+              <a:t> </a:t>
+            </a:r>
+            <a:r>
+              <a:rPr b="0" sz="1800" lang="en-US">
+                <a:solidFill>
+                  <a:srgbClr val="000000"/>
+                </a:solidFill>
+                <a:latin typeface="Noto Sans Egyptian Hieroglyphs"/>
+                <a:cs typeface="Noto Sans Lao UI"/>
+              </a:rPr>
+              <a:t> </a:t>
+            </a:r>
+            <a:r>
+              <a:rPr b="0" sz="1800" lang="en-US">
+                <a:solidFill>
+                  <a:srgbClr val="000000"/>
+                </a:solidFill>
+                <a:latin typeface="Noto Sans Egyptian Hieroglyphs"/>
+                <a:cs typeface="Noto Sans Lao UI"/>
+              </a:rPr>
+              <a:t> </a:t>
+            </a:r>
+            <a:r>
+              <a:rPr b="0" sz="1800" lang="en-US">
+                <a:solidFill>
+                  <a:srgbClr val="000000"/>
+                </a:solidFill>
+                <a:latin typeface="Noto Sans Egyptian Hieroglyphs"/>
+                <a:cs typeface="Noto Sans Lao UI"/>
+              </a:rPr>
+              <a:t> </a:t>
+            </a:r>
+            <a:r>
+              <a:rPr b="0" sz="1800" lang="en-US">
+                <a:solidFill>
+                  <a:srgbClr val="000000"/>
+                </a:solidFill>
+                <a:latin typeface="Noto Sans Egyptian Hieroglyphs"/>
+                <a:cs typeface="Noto Sans Lao UI"/>
+              </a:rPr>
+              <a:t> </a:t>
+            </a:r>
+            <a:r>
+              <a:rPr b="0" sz="1800" lang="en-US">
+                <a:solidFill>
+                  <a:srgbClr val="000000"/>
+                </a:solidFill>
+                <a:latin typeface="Noto Sans Egyptian Hieroglyphs"/>
+                <a:cs typeface="Noto Sans Lao UI"/>
+              </a:rPr>
+              <a:t> </a:t>
+            </a:r>
+            <a:r>
+              <a:rPr b="0" sz="1800" lang="en-US">
+                <a:solidFill>
+                  <a:srgbClr val="000000"/>
+                </a:solidFill>
+                <a:latin typeface="Noto Sans Egyptian Hieroglyphs"/>
+                <a:cs typeface="Noto Sans Lao UI"/>
+              </a:rPr>
+              <a:t> </a:t>
+            </a:r>
+            <a:r>
+              <a:rPr b="0" sz="1800" lang="en-US">
+                <a:solidFill>
+                  <a:srgbClr val="000000"/>
+                </a:solidFill>
+                <a:latin typeface="Noto Sans Egyptian Hieroglyphs"/>
+                <a:cs typeface="Noto Sans Lao UI"/>
+              </a:rPr>
+              <a:t> </a:t>
+            </a:r>
+            <a:r>
+              <a:rPr b="0" sz="1800" lang="en-US">
+                <a:solidFill>
+                  <a:srgbClr val="000000"/>
+                </a:solidFill>
+                <a:latin typeface="Noto Sans Egyptian Hieroglyphs"/>
+                <a:cs typeface="Noto Sans Lao UI"/>
+              </a:rPr>
+              <a:t> </a:t>
+            </a:r>
+            <a:r>
+              <a:rPr b="0" sz="1800" lang="en-US">
+                <a:solidFill>
+                  <a:srgbClr val="000000"/>
+                </a:solidFill>
+                <a:latin typeface="Noto Sans Egyptian Hieroglyphs"/>
+                <a:cs typeface="Noto Sans Lao UI"/>
+              </a:rPr>
+              <a:t> </a:t>
+            </a:r>
+            <a:r>
+              <a:rPr b="0" sz="1800" lang="en-US">
+                <a:solidFill>
+                  <a:srgbClr val="000000"/>
+                </a:solidFill>
+                <a:latin typeface="Noto Sans Egyptian Hieroglyphs"/>
+                <a:cs typeface="Noto Sans Lao UI"/>
+              </a:rPr>
+              <a:t> </a:t>
+            </a:r>
+            <a:r>
+              <a:rPr b="0" sz="1800" lang="en-US">
+                <a:solidFill>
+                  <a:srgbClr val="000000"/>
+                </a:solidFill>
+                <a:latin typeface="Noto Sans Egyptian Hieroglyphs"/>
+                <a:cs typeface="Noto Sans Lao UI"/>
+              </a:rPr>
+              <a:t> </a:t>
+            </a:r>
+            <a:r>
+              <a:rPr b="0" sz="1800" lang="en-US">
+                <a:solidFill>
+                  <a:srgbClr val="000000"/>
+                </a:solidFill>
+                <a:latin typeface="Noto Sans Egyptian Hieroglyphs"/>
+                <a:cs typeface="Noto Sans Lao UI"/>
+              </a:rPr>
+              <a:t> </a:t>
+            </a:r>
+            <a:r>
+              <a:rPr b="0" sz="1800" lang="en-US">
+                <a:solidFill>
+                  <a:srgbClr val="000000"/>
+                </a:solidFill>
+                <a:latin typeface="Noto Sans Egyptian Hieroglyphs"/>
+                <a:cs typeface="Noto Sans Lao UI"/>
+              </a:rPr>
+              <a:t> </a:t>
+            </a:r>
+            <a:r>
+              <a:rPr b="0" sz="1800" lang="en-US">
+                <a:solidFill>
+                  <a:srgbClr val="000000"/>
+                </a:solidFill>
+                <a:latin typeface="Noto Sans Egyptian Hieroglyphs"/>
+                <a:cs typeface="Noto Sans Lao UI"/>
+              </a:rPr>
+              <a:t> </a:t>
+            </a:r>
+            <a:r>
+              <a:rPr b="0" sz="1800" lang="en-US">
+                <a:solidFill>
+                  <a:srgbClr val="000000"/>
+                </a:solidFill>
+                <a:latin typeface="Noto Sans Egyptian Hieroglyphs"/>
+                <a:cs typeface="Noto Sans Lao UI"/>
+              </a:rPr>
+              <a:t> </a:t>
+            </a:r>
+            <a:r>
+              <a:rPr b="0" sz="1800" lang="en-US">
+                <a:solidFill>
+                  <a:srgbClr val="000000"/>
+                </a:solidFill>
+                <a:latin typeface="Noto Sans Egyptian Hieroglyphs"/>
+                <a:cs typeface="Noto Sans Lao UI"/>
+              </a:rPr>
+              <a:t> </a:t>
+            </a:r>
+            <a:r>
+              <a:rPr b="0" sz="1800" lang="en-US">
+                <a:solidFill>
+                  <a:srgbClr val="000000"/>
+                </a:solidFill>
+                <a:latin typeface="Noto Sans Egyptian Hieroglyphs"/>
+                <a:cs typeface="Noto Sans Lao UI"/>
+              </a:rPr>
+              <a:t> </a:t>
+            </a:r>
+            <a:r>
+              <a:rPr b="0" sz="1800" lang="en-US">
+                <a:solidFill>
+                  <a:srgbClr val="000000"/>
+                </a:solidFill>
+                <a:latin typeface="Noto Sans Egyptian Hieroglyphs"/>
+                <a:cs typeface="Noto Sans Lao UI"/>
+              </a:rPr>
+              <a:t> </a:t>
+            </a:r>
+            <a:r>
+              <a:rPr b="0" sz="1800" lang="en-US">
+                <a:solidFill>
+                  <a:srgbClr val="000000"/>
+                </a:solidFill>
+                <a:latin typeface="Noto Sans Egyptian Hieroglyphs"/>
+                <a:cs typeface="Noto Sans Lao UI"/>
+              </a:rPr>
+              <a:t> </a:t>
+            </a:r>
+            <a:r>
+              <a:rPr b="0" sz="1800" lang="en-US">
+                <a:solidFill>
+                  <a:srgbClr val="000000"/>
+                </a:solidFill>
+                <a:latin typeface="Noto Sans Egyptian Hieroglyphs"/>
+                <a:cs typeface="Noto Sans Lao UI"/>
+              </a:rPr>
+              <a:t> </a:t>
+            </a:r>
+            <a:r>
+              <a:rPr b="0" sz="1800" lang="en-US">
+                <a:solidFill>
+                  <a:srgbClr val="000000"/>
+                </a:solidFill>
+                <a:latin typeface="Noto Sans Egyptian Hieroglyphs"/>
+                <a:cs typeface="Noto Sans Lao UI"/>
+              </a:rPr>
+              <a:t> </a:t>
+            </a:r>
+            <a:r>
+              <a:rPr b="0" sz="1800" lang="en-US">
+                <a:solidFill>
+                  <a:srgbClr val="000000"/>
+                </a:solidFill>
+                <a:latin typeface="Noto Sans Egyptian Hieroglyphs"/>
+                <a:cs typeface="Noto Sans Lao UI"/>
+              </a:rPr>
+              <a:t> </a:t>
+            </a:r>
+            <a:r>
+              <a:rPr b="0" sz="1800" lang="en-US">
+                <a:solidFill>
+                  <a:srgbClr val="000000"/>
+                </a:solidFill>
+                <a:latin typeface="Noto Sans Egyptian Hieroglyphs"/>
+                <a:cs typeface="Noto Sans Lao UI"/>
+              </a:rPr>
+              <a:t> </a:t>
+            </a:r>
+            <a:r>
+              <a:rPr b="0" sz="1800" lang="en-US">
+                <a:solidFill>
+                  <a:srgbClr val="000000"/>
+                </a:solidFill>
+                <a:latin typeface="Noto Sans Egyptian Hieroglyphs"/>
+                <a:cs typeface="Noto Sans Lao UI"/>
+              </a:rPr>
+              <a:t>2</a:t>
+            </a:r>
+            <a:r>
+              <a:rPr b="0" sz="1800" lang="en-US">
+                <a:solidFill>
+                  <a:srgbClr val="000000"/>
+                </a:solidFill>
+                <a:latin typeface="Noto Sans Egyptian Hieroglyphs"/>
+                <a:cs typeface="Noto Sans Lao UI"/>
+              </a:rPr>
+              <a:t> </a:t>
+            </a:r>
+            <a:r>
+              <a:rPr b="0" sz="1800" lang="en-US">
+                <a:solidFill>
+                  <a:srgbClr val="000000"/>
+                </a:solidFill>
+                <a:latin typeface="Noto Sans Egyptian Hieroglyphs"/>
+                <a:cs typeface="Noto Sans Lao UI"/>
+              </a:rPr>
+              <a:t>.</a:t>
+            </a:r>
+            <a:r>
+              <a:rPr b="0" sz="1800" lang="en-US">
+                <a:solidFill>
+                  <a:srgbClr val="000000"/>
+                </a:solidFill>
+                <a:latin typeface="Noto Sans Egyptian Hieroglyphs"/>
+                <a:cs typeface="Noto Sans Lao UI"/>
+              </a:rPr>
+              <a:t> </a:t>
+            </a:r>
+            <a:r>
+              <a:rPr b="0" sz="1800" lang="en-US">
+                <a:solidFill>
+                  <a:srgbClr val="000000"/>
+                </a:solidFill>
+                <a:latin typeface="Noto Sans Egyptian Hieroglyphs"/>
+                <a:cs typeface="Noto Sans Lao UI"/>
+              </a:rPr>
+              <a:t>A</a:t>
+            </a:r>
+            <a:r>
+              <a:rPr b="0" sz="1800" lang="en-US">
+                <a:solidFill>
+                  <a:srgbClr val="000000"/>
+                </a:solidFill>
+                <a:latin typeface="Noto Sans Egyptian Hieroglyphs"/>
+                <a:cs typeface="Noto Sans Lao UI"/>
+              </a:rPr>
+              <a:t>l</a:t>
+            </a:r>
+            <a:r>
+              <a:rPr b="0" sz="1800" lang="en-US">
+                <a:solidFill>
+                  <a:srgbClr val="000000"/>
+                </a:solidFill>
+                <a:latin typeface="Noto Sans Egyptian Hieroglyphs"/>
+                <a:cs typeface="Noto Sans Lao UI"/>
+              </a:rPr>
+              <a:t>l</a:t>
+            </a:r>
+            <a:r>
+              <a:rPr b="0" sz="1800" lang="en-US">
+                <a:solidFill>
+                  <a:srgbClr val="000000"/>
+                </a:solidFill>
+                <a:latin typeface="Noto Sans Egyptian Hieroglyphs"/>
+                <a:cs typeface="Noto Sans Lao UI"/>
+              </a:rPr>
+              <a:t> </a:t>
+            </a:r>
+            <a:r>
+              <a:rPr b="0" sz="1800" lang="en-US">
+                <a:solidFill>
+                  <a:srgbClr val="000000"/>
+                </a:solidFill>
+                <a:latin typeface="Noto Sans Egyptian Hieroglyphs"/>
+                <a:cs typeface="Noto Sans Lao UI"/>
+              </a:rPr>
+              <a:t>e</a:t>
+            </a:r>
+            <a:r>
+              <a:rPr b="0" sz="1800" lang="en-US">
+                <a:solidFill>
+                  <a:srgbClr val="000000"/>
+                </a:solidFill>
+                <a:latin typeface="Noto Sans Egyptian Hieroglyphs"/>
+                <a:cs typeface="Noto Sans Lao UI"/>
+              </a:rPr>
+              <a:t>m</a:t>
+            </a:r>
+            <a:r>
+              <a:rPr b="0" sz="1800" lang="en-US">
+                <a:solidFill>
+                  <a:srgbClr val="000000"/>
+                </a:solidFill>
+                <a:latin typeface="Noto Sans Egyptian Hieroglyphs"/>
+                <a:cs typeface="Noto Sans Lao UI"/>
+              </a:rPr>
+              <a:t>p</a:t>
+            </a:r>
+            <a:r>
+              <a:rPr b="0" sz="1800" lang="en-US">
+                <a:solidFill>
+                  <a:srgbClr val="000000"/>
+                </a:solidFill>
+                <a:latin typeface="Noto Sans Egyptian Hieroglyphs"/>
+                <a:cs typeface="Noto Sans Lao UI"/>
+              </a:rPr>
+              <a:t>l</a:t>
+            </a:r>
+            <a:r>
+              <a:rPr b="0" sz="1800" lang="en-US">
+                <a:solidFill>
+                  <a:srgbClr val="000000"/>
+                </a:solidFill>
+                <a:latin typeface="Noto Sans Egyptian Hieroglyphs"/>
+                <a:cs typeface="Noto Sans Lao UI"/>
+              </a:rPr>
+              <a:t>o</a:t>
+            </a:r>
+            <a:r>
+              <a:rPr b="0" sz="1800" lang="en-US">
+                <a:solidFill>
+                  <a:srgbClr val="000000"/>
+                </a:solidFill>
+                <a:latin typeface="Noto Sans Egyptian Hieroglyphs"/>
+                <a:cs typeface="Noto Sans Lao UI"/>
+              </a:rPr>
+              <a:t>y</a:t>
+            </a:r>
+            <a:r>
+              <a:rPr b="0" sz="1800" lang="en-US">
+                <a:solidFill>
+                  <a:srgbClr val="000000"/>
+                </a:solidFill>
+                <a:latin typeface="Noto Sans Egyptian Hieroglyphs"/>
+                <a:cs typeface="Noto Sans Lao UI"/>
+              </a:rPr>
+              <a:t>e</a:t>
+            </a:r>
+            <a:r>
+              <a:rPr b="0" sz="1800" lang="en-US">
+                <a:solidFill>
+                  <a:srgbClr val="000000"/>
+                </a:solidFill>
+                <a:latin typeface="Noto Sans Egyptian Hieroglyphs"/>
+                <a:cs typeface="Noto Sans Lao UI"/>
+              </a:rPr>
+              <a:t>e</a:t>
+            </a:r>
+            <a:r>
+              <a:rPr b="0" sz="1800" lang="en-US">
+                <a:solidFill>
+                  <a:srgbClr val="000000"/>
+                </a:solidFill>
+                <a:latin typeface="Noto Sans Egyptian Hieroglyphs"/>
+                <a:cs typeface="Noto Sans Lao UI"/>
+              </a:rPr>
+              <a:t>s</a:t>
+            </a:r>
+            <a:r>
+              <a:rPr b="0" sz="1800" lang="en-US">
+                <a:solidFill>
+                  <a:srgbClr val="000000"/>
+                </a:solidFill>
+                <a:latin typeface="Noto Sans Egyptian Hieroglyphs"/>
+                <a:cs typeface="Noto Sans Lao UI"/>
+              </a:rPr>
+              <a:t> </a:t>
+            </a:r>
+            <a:r>
+              <a:rPr b="0" sz="1800" lang="en-US">
+                <a:solidFill>
+                  <a:srgbClr val="000000"/>
+                </a:solidFill>
+                <a:latin typeface="Noto Sans Egyptian Hieroglyphs"/>
+                <a:cs typeface="Noto Sans Lao UI"/>
+              </a:rPr>
+              <a:t>l</a:t>
+            </a:r>
+            <a:r>
+              <a:rPr b="0" sz="1800" lang="en-US">
+                <a:solidFill>
+                  <a:srgbClr val="000000"/>
+                </a:solidFill>
+                <a:latin typeface="Noto Sans Egyptian Hieroglyphs"/>
+                <a:cs typeface="Noto Sans Lao UI"/>
+              </a:rPr>
+              <a:t>i</a:t>
+            </a:r>
+            <a:r>
+              <a:rPr b="0" sz="1800" lang="en-US">
+                <a:solidFill>
+                  <a:srgbClr val="000000"/>
+                </a:solidFill>
+                <a:latin typeface="Noto Sans Egyptian Hieroglyphs"/>
+                <a:cs typeface="Noto Sans Lao UI"/>
+              </a:rPr>
+              <a:t>s</a:t>
+            </a:r>
+            <a:r>
+              <a:rPr b="0" sz="1800" lang="en-US">
+                <a:solidFill>
+                  <a:srgbClr val="000000"/>
+                </a:solidFill>
+                <a:latin typeface="Noto Sans Egyptian Hieroglyphs"/>
+                <a:cs typeface="Noto Sans Lao UI"/>
+              </a:rPr>
+              <a:t>t</a:t>
+            </a:r>
+            <a:r>
+              <a:rPr b="0" sz="1800" lang="en-US">
+                <a:solidFill>
+                  <a:srgbClr val="000000"/>
+                </a:solidFill>
+                <a:latin typeface="Noto Sans Egyptian Hieroglyphs"/>
+                <a:cs typeface="Noto Sans Lao UI"/>
+              </a:rPr>
+              <a:t> </a:t>
+            </a:r>
+            <a:r>
+              <a:rPr b="0" sz="1800" lang="en-US">
+                <a:solidFill>
+                  <a:srgbClr val="000000"/>
+                </a:solidFill>
+                <a:latin typeface="Noto Sans Egyptian Hieroglyphs"/>
+                <a:cs typeface="Noto Sans Lao UI"/>
+              </a:rPr>
+              <a:t>(</a:t>
+            </a:r>
+            <a:r>
+              <a:rPr b="0" sz="1800" lang="en-US">
+                <a:solidFill>
+                  <a:srgbClr val="000000"/>
+                </a:solidFill>
+                <a:latin typeface="Noto Sans Egyptian Hieroglyphs"/>
+                <a:cs typeface="Noto Sans Lao UI"/>
+              </a:rPr>
+              <a:t> </a:t>
+            </a:r>
+            <a:r>
+              <a:rPr b="0" sz="1800" lang="en-US">
+                <a:solidFill>
+                  <a:srgbClr val="000000"/>
+                </a:solidFill>
+                <a:latin typeface="Noto Sans Egyptian Hieroglyphs"/>
+                <a:cs typeface="Noto Sans Lao UI"/>
+              </a:rPr>
+              <a:t>m</a:t>
+            </a:r>
+            <a:r>
+              <a:rPr b="0" sz="1800" lang="en-US">
+                <a:solidFill>
+                  <a:srgbClr val="000000"/>
+                </a:solidFill>
+                <a:latin typeface="Noto Sans Egyptian Hieroglyphs"/>
+                <a:cs typeface="Noto Sans Lao UI"/>
+              </a:rPr>
+              <a:t>a</a:t>
+            </a:r>
+            <a:r>
+              <a:rPr b="0" sz="1800" lang="en-US">
+                <a:solidFill>
+                  <a:srgbClr val="000000"/>
+                </a:solidFill>
+                <a:latin typeface="Noto Sans Egyptian Hieroglyphs"/>
+                <a:cs typeface="Noto Sans Lao UI"/>
+              </a:rPr>
+              <a:t>t</a:t>
+            </a:r>
+            <a:r>
+              <a:rPr b="0" sz="1800" lang="en-US">
+                <a:solidFill>
+                  <a:srgbClr val="000000"/>
+                </a:solidFill>
+                <a:latin typeface="Noto Sans Egyptian Hieroglyphs"/>
+                <a:cs typeface="Noto Sans Lao UI"/>
+              </a:rPr>
+              <a:t>h</a:t>
+            </a:r>
+            <a:r>
+              <a:rPr b="0" sz="1800" lang="en-US">
+                <a:solidFill>
+                  <a:srgbClr val="000000"/>
+                </a:solidFill>
+                <a:latin typeface="Noto Sans Egyptian Hieroglyphs"/>
+                <a:cs typeface="Noto Sans Lao UI"/>
+              </a:rPr>
+              <a:t>i</a:t>
+            </a:r>
+            <a:r>
+              <a:rPr b="0" sz="1800" lang="en-US">
+                <a:solidFill>
+                  <a:srgbClr val="000000"/>
+                </a:solidFill>
+                <a:latin typeface="Noto Sans Egyptian Hieroglyphs"/>
+                <a:cs typeface="Noto Sans Lao UI"/>
+              </a:rPr>
+              <a:t>a</a:t>
+            </a:r>
+            <a:r>
+              <a:rPr b="0" sz="1800" lang="en-US">
+                <a:solidFill>
+                  <a:srgbClr val="000000"/>
+                </a:solidFill>
+                <a:latin typeface="Noto Sans Egyptian Hieroglyphs"/>
+                <a:cs typeface="Noto Sans Lao UI"/>
+              </a:rPr>
+              <a:t>s</a:t>
+            </a:r>
+            <a:r>
+              <a:rPr b="0" sz="1800" lang="en-US">
+                <a:solidFill>
+                  <a:srgbClr val="000000"/>
+                </a:solidFill>
+                <a:latin typeface="Noto Sans Egyptian Hieroglyphs"/>
+                <a:cs typeface="Noto Sans Lao UI"/>
+              </a:rPr>
+              <a:t>,</a:t>
+            </a:r>
+            <a:r>
+              <a:rPr b="0" sz="1800" lang="en-US">
+                <a:solidFill>
+                  <a:srgbClr val="000000"/>
+                </a:solidFill>
+                <a:latin typeface="Noto Sans Egyptian Hieroglyphs"/>
+                <a:cs typeface="Noto Sans Lao UI"/>
+              </a:rPr>
+              <a:t> </a:t>
+            </a:r>
+            <a:r>
+              <a:rPr b="0" sz="1800" lang="en-US">
+                <a:solidFill>
+                  <a:srgbClr val="000000"/>
+                </a:solidFill>
+                <a:latin typeface="Noto Sans Egyptian Hieroglyphs"/>
+                <a:cs typeface="Noto Sans Lao UI"/>
+              </a:rPr>
+              <a:t>s</a:t>
+            </a:r>
+            <a:r>
+              <a:rPr b="0" sz="1800" lang="en-US">
+                <a:solidFill>
+                  <a:srgbClr val="000000"/>
+                </a:solidFill>
+                <a:latin typeface="Noto Sans Egyptian Hieroglyphs"/>
+                <a:cs typeface="Noto Sans Lao UI"/>
+              </a:rPr>
+              <a:t>i</a:t>
+            </a:r>
+            <a:r>
+              <a:rPr b="0" sz="1800" lang="en-US">
+                <a:solidFill>
+                  <a:srgbClr val="000000"/>
+                </a:solidFill>
+                <a:latin typeface="Noto Sans Egyptian Hieroglyphs"/>
+                <a:cs typeface="Noto Sans Lao UI"/>
+              </a:rPr>
+              <a:t>m</a:t>
+            </a:r>
+            <a:r>
+              <a:rPr b="0" sz="1800" lang="en-US">
+                <a:solidFill>
+                  <a:srgbClr val="000000"/>
+                </a:solidFill>
+                <a:latin typeface="Noto Sans Egyptian Hieroglyphs"/>
+                <a:cs typeface="Noto Sans Lao UI"/>
+              </a:rPr>
+              <a:t>e</a:t>
+            </a:r>
+            <a:r>
+              <a:rPr b="0" sz="1800" lang="en-US">
+                <a:solidFill>
+                  <a:srgbClr val="000000"/>
+                </a:solidFill>
+                <a:latin typeface="Noto Sans Egyptian Hieroglyphs"/>
+                <a:cs typeface="Noto Sans Lao UI"/>
+              </a:rPr>
+              <a:t>o</a:t>
+            </a:r>
+            <a:r>
+              <a:rPr b="0" sz="1800" lang="en-US">
+                <a:solidFill>
+                  <a:srgbClr val="000000"/>
+                </a:solidFill>
+                <a:latin typeface="Noto Sans Egyptian Hieroglyphs"/>
+                <a:cs typeface="Noto Sans Lao UI"/>
+              </a:rPr>
+              <a:t>n</a:t>
+            </a:r>
+            <a:r>
+              <a:rPr b="0" sz="1800" lang="en-US">
+                <a:solidFill>
+                  <a:srgbClr val="000000"/>
+                </a:solidFill>
+                <a:latin typeface="Noto Sans Egyptian Hieroglyphs"/>
+                <a:cs typeface="Noto Sans Lao UI"/>
+              </a:rPr>
+              <a:t> </a:t>
+            </a:r>
+            <a:r>
+              <a:rPr b="0" sz="1800" lang="en-US">
+                <a:solidFill>
+                  <a:srgbClr val="000000"/>
+                </a:solidFill>
+                <a:latin typeface="Noto Sans Egyptian Hieroglyphs"/>
+                <a:cs typeface="Noto Sans Lao UI"/>
+              </a:rPr>
+              <a:t>a</a:t>
+            </a:r>
+            <a:r>
+              <a:rPr b="0" sz="1800" lang="en-US">
+                <a:solidFill>
+                  <a:srgbClr val="000000"/>
+                </a:solidFill>
+                <a:latin typeface="Noto Sans Egyptian Hieroglyphs"/>
+                <a:cs typeface="Noto Sans Lao UI"/>
+              </a:rPr>
+              <a:t>n</a:t>
+            </a:r>
+            <a:r>
+              <a:rPr b="0" sz="1800" lang="en-US">
+                <a:solidFill>
+                  <a:srgbClr val="000000"/>
+                </a:solidFill>
+                <a:latin typeface="Noto Sans Egyptian Hieroglyphs"/>
+                <a:cs typeface="Noto Sans Lao UI"/>
+              </a:rPr>
+              <a:t>d</a:t>
+            </a:r>
+            <a:r>
+              <a:rPr b="0" sz="1800" lang="en-US">
+                <a:solidFill>
+                  <a:srgbClr val="000000"/>
+                </a:solidFill>
+                <a:latin typeface="Noto Sans Egyptian Hieroglyphs"/>
+                <a:cs typeface="Noto Sans Lao UI"/>
+              </a:rPr>
+              <a:t> </a:t>
+            </a:r>
+            <a:r>
+              <a:rPr b="0" sz="1800" lang="en-US">
+                <a:solidFill>
+                  <a:srgbClr val="000000"/>
+                </a:solidFill>
+                <a:latin typeface="Noto Sans Egyptian Hieroglyphs"/>
+                <a:cs typeface="Noto Sans Lao UI"/>
+              </a:rPr>
+              <a:t>G</a:t>
+            </a:r>
+            <a:r>
+              <a:rPr b="0" sz="1800" lang="en-US">
+                <a:solidFill>
+                  <a:srgbClr val="000000"/>
+                </a:solidFill>
+                <a:latin typeface="Noto Sans Egyptian Hieroglyphs"/>
+                <a:cs typeface="Noto Sans Lao UI"/>
+              </a:rPr>
+              <a:t>w</a:t>
+            </a:r>
+            <a:r>
+              <a:rPr b="0" sz="1800" lang="en-US">
+                <a:solidFill>
+                  <a:srgbClr val="000000"/>
+                </a:solidFill>
+                <a:latin typeface="Noto Sans Egyptian Hieroglyphs"/>
+                <a:cs typeface="Noto Sans Lao UI"/>
+              </a:rPr>
+              <a:t>e</a:t>
+            </a:r>
+            <a:r>
+              <a:rPr b="0" sz="1800" lang="en-US">
+                <a:solidFill>
+                  <a:srgbClr val="000000"/>
+                </a:solidFill>
+                <a:latin typeface="Noto Sans Egyptian Hieroglyphs"/>
+                <a:cs typeface="Noto Sans Lao UI"/>
+              </a:rPr>
+              <a:t>n</a:t>
+            </a:r>
+            <a:r>
+              <a:rPr b="0" sz="1800" lang="en-US">
+                <a:solidFill>
+                  <a:srgbClr val="000000"/>
+                </a:solidFill>
+                <a:latin typeface="Noto Sans Egyptian Hieroglyphs"/>
+                <a:cs typeface="Noto Sans Lao UI"/>
+              </a:rPr>
+              <a:t>d</a:t>
+            </a:r>
+            <a:r>
+              <a:rPr b="0" sz="1800" lang="en-US">
+                <a:solidFill>
+                  <a:srgbClr val="000000"/>
+                </a:solidFill>
+                <a:latin typeface="Noto Sans Egyptian Hieroglyphs"/>
+                <a:cs typeface="Noto Sans Lao UI"/>
+              </a:rPr>
+              <a:t>o</a:t>
+            </a:r>
+            <a:r>
+              <a:rPr b="0" sz="1800" lang="en-US">
+                <a:solidFill>
+                  <a:srgbClr val="000000"/>
+                </a:solidFill>
+                <a:latin typeface="Noto Sans Egyptian Hieroglyphs"/>
+                <a:cs typeface="Noto Sans Lao UI"/>
+              </a:rPr>
+              <a:t>l</a:t>
+            </a:r>
+            <a:r>
+              <a:rPr b="0" sz="1800" lang="en-US">
+                <a:solidFill>
+                  <a:srgbClr val="000000"/>
+                </a:solidFill>
+                <a:latin typeface="Noto Sans Egyptian Hieroglyphs"/>
+                <a:cs typeface="Noto Sans Lao UI"/>
+              </a:rPr>
+              <a:t>y</a:t>
+            </a:r>
+            <a:r>
+              <a:rPr b="0" sz="1800" lang="en-US">
+                <a:solidFill>
+                  <a:srgbClr val="000000"/>
+                </a:solidFill>
+                <a:latin typeface="Noto Sans Egyptian Hieroglyphs"/>
+                <a:cs typeface="Noto Sans Lao UI"/>
+              </a:rPr>
+              <a:t>n</a:t>
+            </a:r>
+            <a:r>
+              <a:rPr b="0" sz="1800" lang="en-US">
+                <a:solidFill>
+                  <a:srgbClr val="000000"/>
+                </a:solidFill>
+                <a:latin typeface="Noto Sans Egyptian Hieroglyphs"/>
+                <a:cs typeface="Noto Sans Lao UI"/>
+              </a:rPr>
+              <a:t> </a:t>
+            </a:r>
+            <a:r>
+              <a:rPr b="0" sz="1800" lang="en-US">
+                <a:solidFill>
+                  <a:srgbClr val="000000"/>
+                </a:solidFill>
+                <a:latin typeface="Noto Sans Egyptian Hieroglyphs"/>
+                <a:cs typeface="Noto Sans Lao UI"/>
+              </a:rPr>
+              <a:t>)</a:t>
+            </a:r>
+            <a:r>
+              <a:rPr b="0" sz="1800" lang="en-US">
+                <a:solidFill>
+                  <a:srgbClr val="000000"/>
+                </a:solidFill>
+                <a:latin typeface="Noto Sans Egyptian Hieroglyphs"/>
+                <a:cs typeface="Noto Sans Lao UI"/>
+              </a:rPr>
+              <a:t> </a:t>
+            </a:r>
+            <a:r>
+              <a:rPr b="0" sz="1800" lang="en-US">
+                <a:solidFill>
+                  <a:srgbClr val="000000"/>
+                </a:solidFill>
+                <a:latin typeface="Noto Sans Egyptian Hieroglyphs"/>
+                <a:cs typeface="Noto Sans Lao UI"/>
+              </a:rPr>
+              <a:t>h</a:t>
+            </a:r>
+            <a:r>
+              <a:rPr b="0" sz="1800" lang="en-US">
+                <a:solidFill>
+                  <a:srgbClr val="000000"/>
+                </a:solidFill>
+                <a:latin typeface="Noto Sans Egyptian Hieroglyphs"/>
+                <a:cs typeface="Noto Sans Lao UI"/>
+              </a:rPr>
+              <a:t>a</a:t>
+            </a:r>
+            <a:r>
+              <a:rPr b="0" sz="1800" lang="en-US">
+                <a:solidFill>
+                  <a:srgbClr val="000000"/>
+                </a:solidFill>
+                <a:latin typeface="Noto Sans Egyptian Hieroglyphs"/>
+                <a:cs typeface="Noto Sans Lao UI"/>
+              </a:rPr>
+              <a:t>v</a:t>
+            </a:r>
+            <a:r>
+              <a:rPr b="0" sz="1800" lang="en-US">
+                <a:solidFill>
+                  <a:srgbClr val="000000"/>
+                </a:solidFill>
+                <a:latin typeface="Noto Sans Egyptian Hieroglyphs"/>
+                <a:cs typeface="Noto Sans Lao UI"/>
+              </a:rPr>
+              <a:t>e</a:t>
+            </a:r>
+            <a:r>
+              <a:rPr b="0" sz="1800" lang="en-US">
+                <a:solidFill>
+                  <a:srgbClr val="000000"/>
+                </a:solidFill>
+                <a:latin typeface="Noto Sans Egyptian Hieroglyphs"/>
+                <a:cs typeface="Noto Sans Lao UI"/>
+              </a:rPr>
+              <a:t> </a:t>
+            </a:r>
+            <a:r>
+              <a:rPr b="0" sz="1800" lang="en-US">
+                <a:solidFill>
+                  <a:srgbClr val="000000"/>
+                </a:solidFill>
+                <a:latin typeface="Noto Sans Egyptian Hieroglyphs"/>
+                <a:cs typeface="Noto Sans Lao UI"/>
+              </a:rPr>
+              <a:t>r</a:t>
+            </a:r>
+            <a:r>
+              <a:rPr b="0" sz="1800" lang="en-US">
+                <a:solidFill>
+                  <a:srgbClr val="000000"/>
+                </a:solidFill>
+                <a:latin typeface="Noto Sans Egyptian Hieroglyphs"/>
+                <a:cs typeface="Noto Sans Lao UI"/>
+              </a:rPr>
+              <a:t>a</a:t>
+            </a:r>
+            <a:r>
+              <a:rPr b="0" sz="1800" lang="en-US">
+                <a:solidFill>
+                  <a:srgbClr val="000000"/>
+                </a:solidFill>
+                <a:latin typeface="Noto Sans Egyptian Hieroglyphs"/>
+                <a:cs typeface="Noto Sans Lao UI"/>
+              </a:rPr>
+              <a:t>t</a:t>
+            </a:r>
+            <a:r>
+              <a:rPr b="0" sz="1800" lang="en-US">
+                <a:solidFill>
+                  <a:srgbClr val="000000"/>
+                </a:solidFill>
+                <a:latin typeface="Noto Sans Egyptian Hieroglyphs"/>
+                <a:cs typeface="Noto Sans Lao UI"/>
+              </a:rPr>
+              <a:t>i</a:t>
+            </a:r>
+            <a:r>
+              <a:rPr b="0" sz="1800" lang="en-US">
+                <a:solidFill>
+                  <a:srgbClr val="000000"/>
+                </a:solidFill>
+                <a:latin typeface="Noto Sans Egyptian Hieroglyphs"/>
+                <a:cs typeface="Noto Sans Lao UI"/>
+              </a:rPr>
+              <a:t>n</a:t>
+            </a:r>
+            <a:r>
+              <a:rPr b="0" sz="1800" lang="en-US">
+                <a:solidFill>
+                  <a:srgbClr val="000000"/>
+                </a:solidFill>
+                <a:latin typeface="Noto Sans Egyptian Hieroglyphs"/>
+                <a:cs typeface="Noto Sans Lao UI"/>
+              </a:rPr>
+              <a:t>g</a:t>
+            </a:r>
+            <a:r>
+              <a:rPr b="0" sz="1800" lang="en-US">
+                <a:solidFill>
+                  <a:srgbClr val="000000"/>
+                </a:solidFill>
+                <a:latin typeface="Noto Sans Egyptian Hieroglyphs"/>
+                <a:cs typeface="Noto Sans Lao UI"/>
+              </a:rPr>
+              <a:t> </a:t>
+            </a:r>
+            <a:r>
+              <a:rPr b="0" sz="1800" lang="en-US">
+                <a:solidFill>
+                  <a:srgbClr val="000000"/>
+                </a:solidFill>
+                <a:latin typeface="Noto Sans Egyptian Hieroglyphs"/>
+                <a:cs typeface="Noto Sans Lao UI"/>
+              </a:rPr>
+              <a:t>t</a:t>
+            </a:r>
+            <a:r>
+              <a:rPr b="0" sz="1800" lang="en-US">
+                <a:solidFill>
+                  <a:srgbClr val="000000"/>
+                </a:solidFill>
+                <a:latin typeface="Noto Sans Egyptian Hieroglyphs"/>
+                <a:cs typeface="Noto Sans Lao UI"/>
+              </a:rPr>
+              <a:t>h</a:t>
+            </a:r>
+            <a:r>
+              <a:rPr b="0" sz="1800" lang="en-US">
+                <a:solidFill>
+                  <a:srgbClr val="000000"/>
+                </a:solidFill>
+                <a:latin typeface="Noto Sans Egyptian Hieroglyphs"/>
+                <a:cs typeface="Noto Sans Lao UI"/>
+              </a:rPr>
+              <a:t>a</a:t>
+            </a:r>
+            <a:r>
+              <a:rPr b="0" sz="1800" lang="en-US">
+                <a:solidFill>
+                  <a:srgbClr val="000000"/>
+                </a:solidFill>
+                <a:latin typeface="Noto Sans Egyptian Hieroglyphs"/>
+                <a:cs typeface="Noto Sans Lao UI"/>
+              </a:rPr>
+              <a:t>t</a:t>
+            </a:r>
+            <a:r>
+              <a:rPr b="0" sz="1800" lang="en-US">
+                <a:solidFill>
+                  <a:srgbClr val="000000"/>
+                </a:solidFill>
+                <a:latin typeface="Noto Sans Egyptian Hieroglyphs"/>
+                <a:cs typeface="Noto Sans Lao UI"/>
+              </a:rPr>
+              <a:t> </a:t>
+            </a:r>
+            <a:r>
+              <a:rPr altLang="en-US" b="0" sz="1800" lang="en-US">
+                <a:solidFill>
+                  <a:srgbClr val="000000"/>
+                </a:solidFill>
+                <a:latin typeface="Noto Sans Egyptian Hieroglyphs"/>
+                <a:cs typeface="Noto Sans Lao UI"/>
+              </a:rPr>
+              <a:t>"</a:t>
+            </a:r>
+            <a:r>
+              <a:rPr altLang="en-US" b="0" sz="1800" lang="en-US">
+                <a:solidFill>
+                  <a:srgbClr val="000000"/>
+                </a:solidFill>
+                <a:latin typeface="Noto Sans Egyptian Hieroglyphs"/>
+                <a:cs typeface="Noto Sans Lao UI"/>
+              </a:rPr>
+              <a:t> </a:t>
+            </a:r>
+            <a:r>
+              <a:rPr altLang="en-US" b="0" sz="1800" lang="en-US">
+                <a:solidFill>
+                  <a:srgbClr val="000000"/>
                 </a:solidFill>
                 <a:latin typeface="Noto Sans Egyptian Hieroglyphs"/>
                 <a:cs typeface="Noto Sans Lao UI"/>
@@ -4614,9 +7267,269 @@
               <a:t>F</a:t>
             </a:r>
             <a:r>
-              <a:rPr b="0" sz="2800" lang="en-US">
-                <a:solidFill>
-                  <a:srgbClr val="0070C0"/>
+              <a:rPr altLang="en-US" b="0" sz="1800" lang="en-US">
+                <a:solidFill>
+                  <a:srgbClr val="000000"/>
+                </a:solidFill>
+                <a:latin typeface="Noto Sans Egyptian Hieroglyphs"/>
+                <a:cs typeface="Noto Sans Lao UI"/>
+              </a:rPr>
+              <a:t>u</a:t>
+            </a:r>
+            <a:r>
+              <a:rPr altLang="en-US" b="0" sz="1800" lang="en-US">
+                <a:solidFill>
+                  <a:srgbClr val="000000"/>
+                </a:solidFill>
+                <a:latin typeface="Noto Sans Egyptian Hieroglyphs"/>
+                <a:cs typeface="Noto Sans Lao UI"/>
+              </a:rPr>
+              <a:t>l</a:t>
+            </a:r>
+            <a:r>
+              <a:rPr altLang="en-US" b="0" sz="1800" lang="en-US">
+                <a:solidFill>
+                  <a:srgbClr val="000000"/>
+                </a:solidFill>
+                <a:latin typeface="Noto Sans Egyptian Hieroglyphs"/>
+                <a:cs typeface="Noto Sans Lao UI"/>
+              </a:rPr>
+              <a:t>l</a:t>
+            </a:r>
+            <a:r>
+              <a:rPr altLang="en-US" b="0" sz="1800" lang="en-US">
+                <a:solidFill>
+                  <a:srgbClr val="000000"/>
+                </a:solidFill>
+                <a:latin typeface="Noto Sans Egyptian Hieroglyphs"/>
+                <a:cs typeface="Noto Sans Lao UI"/>
+              </a:rPr>
+              <a:t>y</a:t>
+            </a:r>
+            <a:r>
+              <a:rPr altLang="en-US" b="0" sz="1800" lang="en-US">
+                <a:solidFill>
+                  <a:srgbClr val="000000"/>
+                </a:solidFill>
+                <a:latin typeface="Noto Sans Egyptian Hieroglyphs"/>
+                <a:cs typeface="Noto Sans Lao UI"/>
+              </a:rPr>
+              <a:t> </a:t>
+            </a:r>
+            <a:r>
+              <a:rPr altLang="en-US" b="0" sz="1800" lang="en-US">
+                <a:solidFill>
+                  <a:srgbClr val="000000"/>
+                </a:solidFill>
+                <a:latin typeface="Noto Sans Egyptian Hieroglyphs"/>
+                <a:cs typeface="Noto Sans Lao UI"/>
+              </a:rPr>
+              <a:t>m</a:t>
+            </a:r>
+            <a:r>
+              <a:rPr altLang="en-US" b="0" sz="1800" lang="en-US">
+                <a:solidFill>
+                  <a:srgbClr val="000000"/>
+                </a:solidFill>
+                <a:latin typeface="Noto Sans Egyptian Hieroglyphs"/>
+                <a:cs typeface="Noto Sans Lao UI"/>
+              </a:rPr>
+              <a:t>e</a:t>
+            </a:r>
+            <a:r>
+              <a:rPr altLang="en-US" b="0" sz="1800" lang="en-US">
+                <a:solidFill>
+                  <a:srgbClr val="000000"/>
+                </a:solidFill>
+                <a:latin typeface="Noto Sans Egyptian Hieroglyphs"/>
+                <a:cs typeface="Noto Sans Lao UI"/>
+              </a:rPr>
+              <a:t>e</a:t>
+            </a:r>
+            <a:r>
+              <a:rPr altLang="en-US" b="0" sz="1800" lang="en-US">
+                <a:solidFill>
+                  <a:srgbClr val="000000"/>
+                </a:solidFill>
+                <a:latin typeface="Noto Sans Egyptian Hieroglyphs"/>
+                <a:cs typeface="Noto Sans Lao UI"/>
+              </a:rPr>
+              <a:t>t</a:t>
+            </a:r>
+            <a:r>
+              <a:rPr altLang="en-US" b="0" sz="1800" lang="en-US">
+                <a:solidFill>
+                  <a:srgbClr val="000000"/>
+                </a:solidFill>
+                <a:latin typeface="Noto Sans Egyptian Hieroglyphs"/>
+                <a:cs typeface="Noto Sans Lao UI"/>
+              </a:rPr>
+              <a:t> </a:t>
+            </a:r>
+            <a:r>
+              <a:rPr altLang="en-US" b="0" sz="1800" lang="en-US">
+                <a:solidFill>
+                  <a:srgbClr val="000000"/>
+                </a:solidFill>
+                <a:latin typeface="Noto Sans Egyptian Hieroglyphs"/>
+                <a:cs typeface="Noto Sans Lao UI"/>
+              </a:rPr>
+              <a:t>"</a:t>
+            </a:r>
+            <a:r>
+              <a:rPr altLang="en-US" b="0" sz="1800" lang="en-US">
+                <a:solidFill>
+                  <a:srgbClr val="000000"/>
+                </a:solidFill>
+                <a:latin typeface="Noto Sans Egyptian Hieroglyphs"/>
+                <a:cs typeface="Noto Sans Lao UI"/>
+              </a:rPr>
+              <a:t> </a:t>
+            </a:r>
+            <a:r>
+              <a:rPr altLang="en-US" b="0" sz="1800" lang="en-US">
+                <a:solidFill>
+                  <a:srgbClr val="000000"/>
+                </a:solidFill>
+                <a:latin typeface="Noto Sans Egyptian Hieroglyphs"/>
+                <a:cs typeface="Noto Sans Lao UI"/>
+              </a:rPr>
+              <a:t> </a:t>
+            </a:r>
+            <a:r>
+              <a:rPr altLang="en-US" b="0" sz="1800" lang="en-US">
+                <a:solidFill>
+                  <a:srgbClr val="000000"/>
+                </a:solidFill>
+                <a:latin typeface="Noto Sans Egyptian Hieroglyphs"/>
+                <a:cs typeface="Noto Sans Lao UI"/>
+              </a:rPr>
+              <a:t>E</a:t>
+            </a:r>
+            <a:r>
+              <a:rPr altLang="en-US" b="0" sz="1800" lang="en-US">
+                <a:solidFill>
+                  <a:srgbClr val="000000"/>
+                </a:solidFill>
+                <a:latin typeface="Noto Sans Egyptian Hieroglyphs"/>
+                <a:cs typeface="Noto Sans Lao UI"/>
+              </a:rPr>
+              <a:t>x</a:t>
+            </a:r>
+            <a:r>
+              <a:rPr altLang="en-US" b="0" sz="1800" lang="en-US">
+                <a:solidFill>
+                  <a:srgbClr val="000000"/>
+                </a:solidFill>
+                <a:latin typeface="Noto Sans Egyptian Hieroglyphs"/>
+                <a:cs typeface="Noto Sans Lao UI"/>
+              </a:rPr>
+              <a:t>p</a:t>
+            </a:r>
+            <a:r>
+              <a:rPr altLang="en-US" b="0" sz="1800" lang="en-US">
+                <a:solidFill>
+                  <a:srgbClr val="000000"/>
+                </a:solidFill>
+                <a:latin typeface="Noto Sans Egyptian Hieroglyphs"/>
+                <a:cs typeface="Noto Sans Lao UI"/>
+              </a:rPr>
+              <a:t>e</a:t>
+            </a:r>
+            <a:r>
+              <a:rPr altLang="en-US" b="0" sz="1800" lang="en-US">
+                <a:solidFill>
+                  <a:srgbClr val="000000"/>
+                </a:solidFill>
+                <a:latin typeface="Noto Sans Egyptian Hieroglyphs"/>
+                <a:cs typeface="Noto Sans Lao UI"/>
+              </a:rPr>
+              <a:t>c</a:t>
+            </a:r>
+            <a:r>
+              <a:rPr altLang="en-US" b="0" sz="1800" lang="en-US">
+                <a:solidFill>
+                  <a:srgbClr val="000000"/>
+                </a:solidFill>
+                <a:latin typeface="Noto Sans Egyptian Hieroglyphs"/>
+                <a:cs typeface="Noto Sans Lao UI"/>
+              </a:rPr>
+              <a:t>t</a:t>
+            </a:r>
+            <a:r>
+              <a:rPr altLang="en-US" b="0" sz="1800" lang="en-US">
+                <a:solidFill>
+                  <a:srgbClr val="000000"/>
+                </a:solidFill>
+                <a:latin typeface="Noto Sans Egyptian Hieroglyphs"/>
+                <a:cs typeface="Noto Sans Lao UI"/>
+              </a:rPr>
+              <a:t>a</a:t>
+            </a:r>
+            <a:r>
+              <a:rPr altLang="en-US" b="0" sz="1800" lang="en-US">
+                <a:solidFill>
+                  <a:srgbClr val="000000"/>
+                </a:solidFill>
+                <a:latin typeface="Noto Sans Egyptian Hieroglyphs"/>
+                <a:cs typeface="Noto Sans Lao UI"/>
+              </a:rPr>
+              <a:t>t</a:t>
+            </a:r>
+            <a:r>
+              <a:rPr altLang="en-US" b="0" sz="1800" lang="en-US">
+                <a:solidFill>
+                  <a:srgbClr val="000000"/>
+                </a:solidFill>
+                <a:latin typeface="Noto Sans Egyptian Hieroglyphs"/>
+                <a:cs typeface="Noto Sans Lao UI"/>
+              </a:rPr>
+              <a:t>ions</a:t>
+            </a:r>
+            <a:r>
+              <a:rPr altLang="en-US" b="0" sz="1800" lang="en-US">
+                <a:solidFill>
+                  <a:srgbClr val="000000"/>
+                </a:solidFill>
+                <a:latin typeface="Noto Sans Egyptian Hieroglyphs"/>
+                <a:cs typeface="Noto Sans Lao UI"/>
+              </a:rPr>
+              <a:t>,</a:t>
+            </a:r>
+            <a:r>
+              <a:rPr altLang="en-US" b="0" sz="1800" lang="en-US">
+                <a:solidFill>
+                  <a:srgbClr val="000000"/>
+                </a:solidFill>
+                <a:latin typeface="Noto Sans Egyptian Hieroglyphs"/>
+                <a:cs typeface="Noto Sans Lao UI"/>
+              </a:rPr>
+              <a:t> </a:t>
+            </a:r>
+            <a:r>
+              <a:rPr altLang="en-US" b="0" sz="1800" lang="en-US">
+                <a:solidFill>
+                  <a:srgbClr val="000000"/>
+                </a:solidFill>
+                <a:latin typeface="Noto Sans Egyptian Hieroglyphs"/>
+                <a:cs typeface="Noto Sans Lao UI"/>
+              </a:rPr>
+              <a:t>s</a:t>
+            </a:r>
+            <a:r>
+              <a:rPr altLang="en-US" b="0" sz="1800" lang="en-US">
+                <a:solidFill>
+                  <a:srgbClr val="000000"/>
+                </a:solidFill>
+                <a:latin typeface="Noto Sans Egyptian Hieroglyphs"/>
+                <a:cs typeface="Noto Sans Lao UI"/>
+              </a:rPr>
+              <a:t>h</a:t>
+            </a:r>
+            <a:r>
+              <a:rPr altLang="en-US" b="0" sz="1800" lang="en-US">
+                <a:solidFill>
+                  <a:srgbClr val="000000"/>
                 </a:solidFill>
                 <a:latin typeface="Noto Sans Egyptian Hieroglyphs"/>
                 <a:cs typeface="Noto Sans Lao UI"/>
@@ -4624,9 +7537,299 @@
               <a:t>o</a:t>
             </a:r>
             <a:r>
-              <a:rPr b="0" sz="2800" lang="en-US">
-                <a:solidFill>
-                  <a:srgbClr val="0070C0"/>
+              <a:rPr altLang="en-US" b="0" sz="1800" lang="en-US">
+                <a:solidFill>
+                  <a:srgbClr val="000000"/>
+                </a:solidFill>
+                <a:latin typeface="Noto Sans Egyptian Hieroglyphs"/>
+                <a:cs typeface="Noto Sans Lao UI"/>
+              </a:rPr>
+              <a:t>w</a:t>
+            </a:r>
+            <a:r>
+              <a:rPr altLang="en-US" b="0" sz="1800" lang="en-US">
+                <a:solidFill>
+                  <a:srgbClr val="000000"/>
+                </a:solidFill>
+                <a:latin typeface="Noto Sans Egyptian Hieroglyphs"/>
+                <a:cs typeface="Noto Sans Lao UI"/>
+              </a:rPr>
+              <a:t>i</a:t>
+            </a:r>
+            <a:r>
+              <a:rPr altLang="en-US" b="0" sz="1800" lang="en-US">
+                <a:solidFill>
+                  <a:srgbClr val="000000"/>
+                </a:solidFill>
+                <a:latin typeface="Noto Sans Egyptian Hieroglyphs"/>
+                <a:cs typeface="Noto Sans Lao UI"/>
+              </a:rPr>
+              <a:t>n</a:t>
+            </a:r>
+            <a:r>
+              <a:rPr altLang="en-US" b="0" sz="1800" lang="en-US">
+                <a:solidFill>
+                  <a:srgbClr val="000000"/>
+                </a:solidFill>
+                <a:latin typeface="Noto Sans Egyptian Hieroglyphs"/>
+                <a:cs typeface="Noto Sans Lao UI"/>
+              </a:rPr>
+              <a:t>g</a:t>
+            </a:r>
+            <a:r>
+              <a:rPr altLang="en-US" b="0" sz="1800" lang="en-US">
+                <a:solidFill>
+                  <a:srgbClr val="000000"/>
+                </a:solidFill>
+                <a:latin typeface="Noto Sans Egyptian Hieroglyphs"/>
+                <a:cs typeface="Noto Sans Lao UI"/>
+              </a:rPr>
+              <a:t> </a:t>
+            </a:r>
+            <a:r>
+              <a:rPr altLang="en-US" b="0" sz="1800" lang="en-US">
+                <a:solidFill>
+                  <a:srgbClr val="000000"/>
+                </a:solidFill>
+                <a:latin typeface="Noto Sans Egyptian Hieroglyphs"/>
+                <a:cs typeface="Noto Sans Lao UI"/>
+              </a:rPr>
+              <a:t>a</a:t>
+            </a:r>
+            <a:r>
+              <a:rPr altLang="en-US" b="0" sz="1800" lang="en-US">
+                <a:solidFill>
+                  <a:srgbClr val="000000"/>
+                </a:solidFill>
+                <a:latin typeface="Noto Sans Egyptian Hieroglyphs"/>
+                <a:cs typeface="Noto Sans Lao UI"/>
+              </a:rPr>
+              <a:t> </a:t>
+            </a:r>
+            <a:r>
+              <a:rPr altLang="en-US" b="0" sz="1800" lang="en-US">
+                <a:solidFill>
+                  <a:srgbClr val="000000"/>
+                </a:solidFill>
+                <a:latin typeface="Noto Sans Egyptian Hieroglyphs"/>
+                <a:cs typeface="Noto Sans Lao UI"/>
+              </a:rPr>
+              <a:t>c</a:t>
+            </a:r>
+            <a:r>
+              <a:rPr altLang="en-US" b="0" sz="1800" lang="en-US">
+                <a:solidFill>
+                  <a:srgbClr val="000000"/>
+                </a:solidFill>
+                <a:latin typeface="Noto Sans Egyptian Hieroglyphs"/>
+                <a:cs typeface="Noto Sans Lao UI"/>
+              </a:rPr>
+              <a:t>o</a:t>
+            </a:r>
+            <a:r>
+              <a:rPr altLang="en-US" b="0" sz="1800" lang="en-US">
+                <a:solidFill>
+                  <a:srgbClr val="000000"/>
+                </a:solidFill>
+                <a:latin typeface="Noto Sans Egyptian Hieroglyphs"/>
+                <a:cs typeface="Noto Sans Lao UI"/>
+              </a:rPr>
+              <a:t>n</a:t>
+            </a:r>
+            <a:r>
+              <a:rPr altLang="en-US" b="0" sz="1800" lang="en-US">
+                <a:solidFill>
+                  <a:srgbClr val="000000"/>
+                </a:solidFill>
+                <a:latin typeface="Noto Sans Egyptian Hieroglyphs"/>
+                <a:cs typeface="Noto Sans Lao UI"/>
+              </a:rPr>
+              <a:t>s</a:t>
+            </a:r>
+            <a:r>
+              <a:rPr altLang="en-US" b="0" sz="1800" lang="en-US">
+                <a:solidFill>
+                  <a:srgbClr val="000000"/>
+                </a:solidFill>
+                <a:latin typeface="Noto Sans Egyptian Hieroglyphs"/>
+                <a:cs typeface="Noto Sans Lao UI"/>
+              </a:rPr>
+              <a:t>i</a:t>
+            </a:r>
+            <a:r>
+              <a:rPr altLang="en-US" b="0" sz="1800" lang="en-US">
+                <a:solidFill>
+                  <a:srgbClr val="000000"/>
+                </a:solidFill>
+                <a:latin typeface="Noto Sans Egyptian Hieroglyphs"/>
+                <a:cs typeface="Noto Sans Lao UI"/>
+              </a:rPr>
+              <a:t>s</a:t>
+            </a:r>
+            <a:r>
+              <a:rPr altLang="en-US" b="0" sz="1800" lang="en-US">
+                <a:solidFill>
+                  <a:srgbClr val="000000"/>
+                </a:solidFill>
+                <a:latin typeface="Noto Sans Egyptian Hieroglyphs"/>
+                <a:cs typeface="Noto Sans Lao UI"/>
+              </a:rPr>
+              <a:t>t</a:t>
+            </a:r>
+            <a:r>
+              <a:rPr altLang="en-US" b="0" sz="1800" lang="en-US">
+                <a:solidFill>
+                  <a:srgbClr val="000000"/>
+                </a:solidFill>
+                <a:latin typeface="Noto Sans Egyptian Hieroglyphs"/>
+                <a:cs typeface="Noto Sans Lao UI"/>
+              </a:rPr>
+              <a:t>e</a:t>
+            </a:r>
+            <a:r>
+              <a:rPr altLang="en-US" b="0" sz="1800" lang="en-US">
+                <a:solidFill>
+                  <a:srgbClr val="000000"/>
+                </a:solidFill>
+                <a:latin typeface="Noto Sans Egyptian Hieroglyphs"/>
+                <a:cs typeface="Noto Sans Lao UI"/>
+              </a:rPr>
+              <a:t>n</a:t>
+            </a:r>
+            <a:r>
+              <a:rPr altLang="en-US" b="0" sz="1800" lang="en-US">
+                <a:solidFill>
+                  <a:srgbClr val="000000"/>
+                </a:solidFill>
+                <a:latin typeface="Noto Sans Egyptian Hieroglyphs"/>
+                <a:cs typeface="Noto Sans Lao UI"/>
+              </a:rPr>
+              <a:t>t</a:t>
+            </a:r>
+            <a:r>
+              <a:rPr altLang="en-US" b="0" sz="1800" lang="en-US">
+                <a:solidFill>
+                  <a:srgbClr val="000000"/>
+                </a:solidFill>
+                <a:latin typeface="Noto Sans Egyptian Hieroglyphs"/>
+                <a:cs typeface="Noto Sans Lao UI"/>
+              </a:rPr>
+              <a:t> </a:t>
+            </a:r>
+            <a:r>
+              <a:rPr altLang="en-US" b="0" sz="1800" lang="en-US">
+                <a:solidFill>
+                  <a:srgbClr val="000000"/>
+                </a:solidFill>
+                <a:latin typeface="Noto Sans Egyptian Hieroglyphs"/>
+                <a:cs typeface="Noto Sans Lao UI"/>
+              </a:rPr>
+              <a:t>l</a:t>
+            </a:r>
+            <a:r>
+              <a:rPr altLang="en-US" b="0" sz="1800" lang="en-US">
+                <a:solidFill>
+                  <a:srgbClr val="000000"/>
+                </a:solidFill>
+                <a:latin typeface="Noto Sans Egyptian Hieroglyphs"/>
+                <a:cs typeface="Noto Sans Lao UI"/>
+              </a:rPr>
+              <a:t>e</a:t>
+            </a:r>
+            <a:r>
+              <a:rPr altLang="en-US" b="0" sz="1800" lang="en-US">
+                <a:solidFill>
+                  <a:srgbClr val="000000"/>
+                </a:solidFill>
+                <a:latin typeface="Noto Sans Egyptian Hieroglyphs"/>
+                <a:cs typeface="Noto Sans Lao UI"/>
+              </a:rPr>
+              <a:t>v</a:t>
+            </a:r>
+            <a:r>
+              <a:rPr altLang="en-US" b="0" sz="1800" lang="en-US">
+                <a:solidFill>
+                  <a:srgbClr val="000000"/>
+                </a:solidFill>
+                <a:latin typeface="Noto Sans Egyptian Hieroglyphs"/>
+                <a:cs typeface="Noto Sans Lao UI"/>
+              </a:rPr>
+              <a:t>e</a:t>
+            </a:r>
+            <a:r>
+              <a:rPr altLang="en-US" b="0" sz="1800" lang="en-US">
+                <a:solidFill>
+                  <a:srgbClr val="000000"/>
+                </a:solidFill>
+                <a:latin typeface="Noto Sans Egyptian Hieroglyphs"/>
+                <a:cs typeface="Noto Sans Lao UI"/>
+              </a:rPr>
+              <a:t>l</a:t>
+            </a:r>
+            <a:r>
+              <a:rPr altLang="en-US" b="0" sz="1800" lang="en-US">
+                <a:solidFill>
+                  <a:srgbClr val="000000"/>
+                </a:solidFill>
+                <a:latin typeface="Noto Sans Egyptian Hieroglyphs"/>
+                <a:cs typeface="Noto Sans Lao UI"/>
+              </a:rPr>
+              <a:t> </a:t>
+            </a:r>
+            <a:r>
+              <a:rPr altLang="en-US" b="0" sz="1800" lang="en-US">
+                <a:solidFill>
+                  <a:srgbClr val="000000"/>
+                </a:solidFill>
+                <a:latin typeface="Noto Sans Egyptian Hieroglyphs"/>
+                <a:cs typeface="Noto Sans Lao UI"/>
+              </a:rPr>
+              <a:t>o</a:t>
+            </a:r>
+            <a:r>
+              <a:rPr altLang="en-US" b="0" sz="1800" lang="en-US">
+                <a:solidFill>
+                  <a:srgbClr val="000000"/>
+                </a:solidFill>
+                <a:latin typeface="Noto Sans Egyptian Hieroglyphs"/>
+                <a:cs typeface="Noto Sans Lao UI"/>
+              </a:rPr>
+              <a:t>f</a:t>
+            </a:r>
+            <a:r>
+              <a:rPr altLang="en-US" b="0" sz="1800" lang="en-US">
+                <a:solidFill>
+                  <a:srgbClr val="000000"/>
+                </a:solidFill>
+                <a:latin typeface="Noto Sans Egyptian Hieroglyphs"/>
+                <a:cs typeface="Noto Sans Lao UI"/>
+              </a:rPr>
+              <a:t> </a:t>
+            </a:r>
+            <a:r>
+              <a:rPr altLang="en-US" b="0" sz="1800" lang="en-US">
+                <a:solidFill>
+                  <a:srgbClr val="000000"/>
+                </a:solidFill>
+                <a:latin typeface="Noto Sans Egyptian Hieroglyphs"/>
+                <a:cs typeface="Noto Sans Lao UI"/>
+              </a:rPr>
+              <a:t>p</a:t>
+            </a:r>
+            <a:r>
+              <a:rPr altLang="en-US" b="0" sz="1800" lang="en-US">
+                <a:solidFill>
+                  <a:srgbClr val="000000"/>
+                </a:solidFill>
+                <a:latin typeface="Noto Sans Egyptian Hieroglyphs"/>
+                <a:cs typeface="Noto Sans Lao UI"/>
+              </a:rPr>
+              <a:t>e</a:t>
+            </a:r>
+            <a:r>
+              <a:rPr altLang="en-US" b="0" sz="1800" lang="en-US">
+                <a:solidFill>
+                  <a:srgbClr val="000000"/>
                 </a:solidFill>
                 <a:latin typeface="Noto Sans Egyptian Hieroglyphs"/>
                 <a:cs typeface="Noto Sans Lao UI"/>
@@ -4634,9 +7837,49 @@
               <a:t>r</a:t>
             </a:r>
             <a:r>
-              <a:rPr b="0" sz="2800" lang="en-US">
-                <a:solidFill>
-                  <a:srgbClr val="0070C0"/>
+              <a:rPr altLang="en-US" b="0" sz="1800" lang="en-US">
+                <a:solidFill>
+                  <a:srgbClr val="000000"/>
+                </a:solidFill>
+                <a:latin typeface="Noto Sans Egyptian Hieroglyphs"/>
+                <a:cs typeface="Noto Sans Lao UI"/>
+              </a:rPr>
+              <a:t>f</a:t>
+            </a:r>
+            <a:r>
+              <a:rPr altLang="en-US" b="0" sz="1800" lang="en-US">
+                <a:solidFill>
+                  <a:srgbClr val="000000"/>
+                </a:solidFill>
+                <a:latin typeface="Noto Sans Egyptian Hieroglyphs"/>
+                <a:cs typeface="Noto Sans Lao UI"/>
+              </a:rPr>
+              <a:t>o</a:t>
+            </a:r>
+            <a:r>
+              <a:rPr altLang="en-US" b="0" sz="1800" lang="en-US">
+                <a:solidFill>
+                  <a:srgbClr val="000000"/>
+                </a:solidFill>
+                <a:latin typeface="Noto Sans Egyptian Hieroglyphs"/>
+                <a:cs typeface="Noto Sans Lao UI"/>
+              </a:rPr>
+              <a:t>r</a:t>
+            </a:r>
+            <a:r>
+              <a:rPr altLang="en-US" b="0" sz="1800" lang="en-US">
+                <a:solidFill>
+                  <a:srgbClr val="000000"/>
+                </a:solidFill>
+                <a:latin typeface="Noto Sans Egyptian Hieroglyphs"/>
+                <a:cs typeface="Noto Sans Lao UI"/>
+              </a:rPr>
+              <a:t>mance</a:t>
+            </a:r>
+            <a:r>
+              <a:rPr altLang="en-US" b="0" sz="1800" lang="en-US">
+                <a:solidFill>
+                  <a:srgbClr val="000000"/>
                 </a:solidFill>
                 <a:latin typeface="Noto Sans Egyptian Hieroglyphs"/>
                 <a:cs typeface="Noto Sans Lao UI"/>
@@ -4644,9 +7887,79 @@
               <a:t> </a:t>
             </a:r>
             <a:r>
-              <a:rPr b="0" sz="2800" lang="en-US">
-                <a:solidFill>
-                  <a:srgbClr val="0070C0"/>
+              <a:rPr altLang="en-US" b="0" sz="1800" lang="en-US">
+                <a:solidFill>
+                  <a:srgbClr val="000000"/>
+                </a:solidFill>
+                <a:latin typeface="Noto Sans Egyptian Hieroglyphs"/>
+                <a:cs typeface="Noto Sans Lao UI"/>
+              </a:rPr>
+              <a:t>a</a:t>
+            </a:r>
+            <a:r>
+              <a:rPr altLang="en-US" b="0" sz="1800" lang="en-US">
+                <a:solidFill>
+                  <a:srgbClr val="000000"/>
+                </a:solidFill>
+                <a:latin typeface="Noto Sans Egyptian Hieroglyphs"/>
+                <a:cs typeface="Noto Sans Lao UI"/>
+              </a:rPr>
+              <a:t>c</a:t>
+            </a:r>
+            <a:r>
+              <a:rPr altLang="en-US" b="0" sz="1800" lang="en-US">
+                <a:solidFill>
+                  <a:srgbClr val="000000"/>
+                </a:solidFill>
+                <a:latin typeface="Noto Sans Egyptian Hieroglyphs"/>
+                <a:cs typeface="Noto Sans Lao UI"/>
+              </a:rPr>
+              <a:t>r</a:t>
+            </a:r>
+            <a:r>
+              <a:rPr altLang="en-US" b="0" sz="1800" lang="en-US">
+                <a:solidFill>
+                  <a:srgbClr val="000000"/>
+                </a:solidFill>
+                <a:latin typeface="Noto Sans Egyptian Hieroglyphs"/>
+                <a:cs typeface="Noto Sans Lao UI"/>
+              </a:rPr>
+              <a:t>o</a:t>
+            </a:r>
+            <a:r>
+              <a:rPr altLang="en-US" b="0" sz="1800" lang="en-US">
+                <a:solidFill>
+                  <a:srgbClr val="000000"/>
+                </a:solidFill>
+                <a:latin typeface="Noto Sans Egyptian Hieroglyphs"/>
+                <a:cs typeface="Noto Sans Lao UI"/>
+              </a:rPr>
+              <a:t>s</a:t>
+            </a:r>
+            <a:r>
+              <a:rPr altLang="en-US" b="0" sz="1800" lang="en-US">
+                <a:solidFill>
+                  <a:srgbClr val="000000"/>
+                </a:solidFill>
+                <a:latin typeface="Noto Sans Egyptian Hieroglyphs"/>
+                <a:cs typeface="Noto Sans Lao UI"/>
+              </a:rPr>
+              <a:t>s</a:t>
+            </a:r>
+            <a:r>
+              <a:rPr altLang="en-US" b="0" sz="1800" lang="en-US">
+                <a:solidFill>
+                  <a:srgbClr val="000000"/>
+                </a:solidFill>
+                <a:latin typeface="Noto Sans Egyptian Hieroglyphs"/>
+                <a:cs typeface="Noto Sans Lao UI"/>
+              </a:rPr>
+              <a:t> </a:t>
+            </a:r>
+            <a:r>
+              <a:rPr altLang="en-US" b="0" sz="1800" lang="en-US">
+                <a:solidFill>
+                  <a:srgbClr val="000000"/>
                 </a:solidFill>
                 <a:latin typeface="Noto Sans Egyptian Hieroglyphs"/>
                 <a:cs typeface="Noto Sans Lao UI"/>
@@ -4654,9 +7967,9 @@
               <a:t>t</a:t>
             </a:r>
             <a:r>
-              <a:rPr b="0" sz="2800" lang="en-US">
-                <a:solidFill>
-                  <a:srgbClr val="0070C0"/>
+              <a:rPr altLang="en-US" b="0" sz="1800" lang="en-US">
+                <a:solidFill>
+                  <a:srgbClr val="000000"/>
                 </a:solidFill>
                 <a:latin typeface="Noto Sans Egyptian Hieroglyphs"/>
                 <a:cs typeface="Noto Sans Lao UI"/>
@@ -4664,9 +7977,9 @@
               <a:t>h</a:t>
             </a:r>
             <a:r>
-              <a:rPr b="0" sz="2800" lang="en-US">
-                <a:solidFill>
-                  <a:srgbClr val="0070C0"/>
+              <a:rPr altLang="en-US" b="0" sz="1800" lang="en-US">
+                <a:solidFill>
+                  <a:srgbClr val="000000"/>
                 </a:solidFill>
                 <a:latin typeface="Noto Sans Egyptian Hieroglyphs"/>
                 <a:cs typeface="Noto Sans Lao UI"/>
@@ -4674,9 +7987,9 @@
               <a:t>e</a:t>
             </a:r>
             <a:r>
-              <a:rPr b="0" sz="2800" lang="en-US">
-                <a:solidFill>
-                  <a:srgbClr val="0070C0"/>
+              <a:rPr altLang="en-US" b="0" sz="1800" lang="en-US">
+                <a:solidFill>
+                  <a:srgbClr val="000000"/>
                 </a:solidFill>
                 <a:latin typeface="Noto Sans Egyptian Hieroglyphs"/>
                 <a:cs typeface="Noto Sans Lao UI"/>
@@ -4684,9 +7997,19 @@
               <a:t> </a:t>
             </a:r>
             <a:r>
-              <a:rPr b="0" sz="2800" lang="en-US">
-                <a:solidFill>
-                  <a:srgbClr val="0070C0"/>
+              <a:rPr altLang="en-US" b="0" sz="1800" lang="en-US">
+                <a:solidFill>
+                  <a:srgbClr val="000000"/>
+                </a:solidFill>
+                <a:latin typeface="Noto Sans Egyptian Hieroglyphs"/>
+                <a:cs typeface="Noto Sans Lao UI"/>
+              </a:rPr>
+              <a:t>t</a:t>
+            </a:r>
+            <a:r>
+              <a:rPr altLang="en-US" b="0" sz="1800" lang="en-US">
+                <a:solidFill>
+                  <a:srgbClr val="000000"/>
                 </a:solidFill>
                 <a:latin typeface="Noto Sans Egyptian Hieroglyphs"/>
                 <a:cs typeface="Noto Sans Lao UI"/>
@@ -4694,788 +8017,28 @@
               <a:t>e</a:t>
             </a:r>
             <a:r>
-              <a:rPr b="0" sz="2800" lang="en-US">
-                <a:solidFill>
-                  <a:srgbClr val="0070C0"/>
+              <a:rPr altLang="en-US" b="0" sz="1800" lang="en-US">
+                <a:solidFill>
+                  <a:srgbClr val="000000"/>
+                </a:solidFill>
+                <a:latin typeface="Noto Sans Egyptian Hieroglyphs"/>
+                <a:cs typeface="Noto Sans Lao UI"/>
+              </a:rPr>
+              <a:t>a</a:t>
+            </a:r>
+            <a:r>
+              <a:rPr altLang="en-US" b="0" sz="1800" lang="en-US">
+                <a:solidFill>
+                  <a:srgbClr val="000000"/>
                 </a:solidFill>
                 <a:latin typeface="Noto Sans Egyptian Hieroglyphs"/>
                 <a:cs typeface="Noto Sans Lao UI"/>
               </a:rPr>
               <a:t>m</a:t>
-            </a:r>
-            <a:r>
-              <a:rPr b="0" sz="2800" lang="en-US">
-                <a:solidFill>
-                  <a:srgbClr val="0070C0"/>
-                </a:solidFill>
-                <a:latin typeface="Noto Sans Egyptian Hieroglyphs"/>
-                <a:cs typeface="Noto Sans Lao UI"/>
-              </a:rPr>
-              <a:t>p</a:t>
-            </a:r>
-            <a:r>
-              <a:rPr b="0" sz="2800" lang="en-US">
-                <a:solidFill>
-                  <a:srgbClr val="0070C0"/>
-                </a:solidFill>
-                <a:latin typeface="Noto Sans Egyptian Hieroglyphs"/>
-                <a:cs typeface="Noto Sans Lao UI"/>
-              </a:rPr>
-              <a:t>l</a:t>
-            </a:r>
-            <a:r>
-              <a:rPr b="0" sz="2800" lang="en-US">
-                <a:solidFill>
-                  <a:srgbClr val="0070C0"/>
-                </a:solidFill>
-                <a:latin typeface="Noto Sans Egyptian Hieroglyphs"/>
-                <a:cs typeface="Noto Sans Lao UI"/>
-              </a:rPr>
-              <a:t>o</a:t>
-            </a:r>
-            <a:r>
-              <a:rPr b="0" sz="2800" lang="en-US">
-                <a:solidFill>
-                  <a:srgbClr val="0070C0"/>
-                </a:solidFill>
-                <a:latin typeface="Noto Sans Egyptian Hieroglyphs"/>
-                <a:cs typeface="Noto Sans Lao UI"/>
-              </a:rPr>
-              <a:t>y</a:t>
-            </a:r>
-            <a:r>
-              <a:rPr b="0" sz="2800" lang="en-US">
-                <a:solidFill>
-                  <a:srgbClr val="0070C0"/>
-                </a:solidFill>
-                <a:latin typeface="Noto Sans Egyptian Hieroglyphs"/>
-                <a:cs typeface="Noto Sans Lao UI"/>
-              </a:rPr>
-              <a:t>e</a:t>
-            </a:r>
-            <a:r>
-              <a:rPr b="0" sz="2800" lang="en-US">
-                <a:solidFill>
-                  <a:srgbClr val="0070C0"/>
-                </a:solidFill>
-                <a:latin typeface="Noto Sans Egyptian Hieroglyphs"/>
-                <a:cs typeface="Noto Sans Lao UI"/>
-              </a:rPr>
-              <a:t>e</a:t>
-            </a:r>
-            <a:r>
-              <a:rPr b="0" sz="2800" lang="en-US">
-                <a:solidFill>
-                  <a:srgbClr val="0070C0"/>
-                </a:solidFill>
-                <a:latin typeface="Noto Sans Egyptian Hieroglyphs"/>
-                <a:cs typeface="Noto Sans Lao UI"/>
-              </a:rPr>
-              <a:t>s</a:t>
-            </a:r>
-            <a:r>
-              <a:rPr b="0" sz="2800" lang="en-US">
-                <a:solidFill>
-                  <a:srgbClr val="0070C0"/>
-                </a:solidFill>
-                <a:latin typeface="Noto Sans Egyptian Hieroglyphs"/>
-                <a:cs typeface="Noto Sans Lao UI"/>
-              </a:rPr>
-              <a:t> </a:t>
-            </a:r>
-            <a:r>
-              <a:rPr b="0" sz="2800" lang="en-US">
-                <a:solidFill>
-                  <a:srgbClr val="0070C0"/>
-                </a:solidFill>
-                <a:latin typeface="Noto Sans Egyptian Hieroglyphs"/>
-                <a:cs typeface="Noto Sans Lao UI"/>
-              </a:rPr>
-              <a:t>I</a:t>
-            </a:r>
-            <a:r>
-              <a:rPr b="0" sz="2800" lang="en-US">
-                <a:solidFill>
-                  <a:srgbClr val="0070C0"/>
-                </a:solidFill>
-                <a:latin typeface="Noto Sans Egyptian Hieroglyphs"/>
-                <a:cs typeface="Noto Sans Lao UI"/>
-              </a:rPr>
-              <a:t>D</a:t>
-            </a:r>
-            <a:r>
-              <a:rPr b="0" sz="2800" lang="en-US">
-                <a:solidFill>
-                  <a:srgbClr val="0070C0"/>
-                </a:solidFill>
-                <a:latin typeface="Noto Sans Egyptian Hieroglyphs"/>
-                <a:cs typeface="Noto Sans Lao UI"/>
-              </a:rPr>
-              <a:t> </a:t>
-            </a:r>
-            <a:r>
-              <a:rPr b="0" sz="2800" lang="en-US">
-                <a:solidFill>
-                  <a:srgbClr val="0070C0"/>
-                </a:solidFill>
-                <a:latin typeface="Noto Sans Egyptian Hieroglyphs"/>
-                <a:cs typeface="Noto Sans Lao UI"/>
-              </a:rPr>
-              <a:t>c</a:t>
-            </a:r>
-            <a:r>
-              <a:rPr b="0" sz="2800" lang="en-US">
-                <a:solidFill>
-                  <a:srgbClr val="0070C0"/>
-                </a:solidFill>
-                <a:latin typeface="Noto Sans Egyptian Hieroglyphs"/>
-                <a:cs typeface="Noto Sans Lao UI"/>
-              </a:rPr>
-              <a:t>o</a:t>
-            </a:r>
-            <a:r>
-              <a:rPr b="0" sz="2800" lang="en-US">
-                <a:solidFill>
-                  <a:srgbClr val="0070C0"/>
-                </a:solidFill>
-                <a:latin typeface="Noto Sans Egyptian Hieroglyphs"/>
-                <a:cs typeface="Noto Sans Lao UI"/>
-              </a:rPr>
-              <a:t>m</a:t>
-            </a:r>
-            <a:r>
-              <a:rPr b="0" sz="2800" lang="en-US">
-                <a:solidFill>
-                  <a:srgbClr val="0070C0"/>
-                </a:solidFill>
-                <a:latin typeface="Noto Sans Egyptian Hieroglyphs"/>
-                <a:cs typeface="Noto Sans Lao UI"/>
-              </a:rPr>
-              <a:t>p</a:t>
-            </a:r>
-            <a:r>
-              <a:rPr b="0" sz="2800" lang="en-US">
-                <a:solidFill>
-                  <a:srgbClr val="0070C0"/>
-                </a:solidFill>
-                <a:latin typeface="Noto Sans Egyptian Hieroglyphs"/>
-                <a:cs typeface="Noto Sans Lao UI"/>
-              </a:rPr>
-              <a:t>a</a:t>
-            </a:r>
-            <a:r>
-              <a:rPr b="0" sz="2800" lang="en-US">
-                <a:solidFill>
-                  <a:srgbClr val="0070C0"/>
-                </a:solidFill>
-                <a:latin typeface="Noto Sans Egyptian Hieroglyphs"/>
-                <a:cs typeface="Noto Sans Lao UI"/>
-              </a:rPr>
-              <a:t>r</a:t>
-            </a:r>
-            <a:r>
-              <a:rPr b="0" sz="2800" lang="en-US">
-                <a:solidFill>
-                  <a:srgbClr val="0070C0"/>
-                </a:solidFill>
-                <a:latin typeface="Noto Sans Egyptian Hieroglyphs"/>
-                <a:cs typeface="Noto Sans Lao UI"/>
-              </a:rPr>
-              <a:t>e</a:t>
-            </a:r>
-            <a:r>
-              <a:rPr b="0" sz="2800" lang="en-US">
-                <a:solidFill>
-                  <a:srgbClr val="0070C0"/>
-                </a:solidFill>
-                <a:latin typeface="Noto Sans Egyptian Hieroglyphs"/>
-                <a:cs typeface="Noto Sans Lao UI"/>
-              </a:rPr>
-              <a:t> </a:t>
-            </a:r>
-            <a:r>
-              <a:rPr b="0" sz="2800" lang="en-US">
-                <a:solidFill>
-                  <a:srgbClr val="0070C0"/>
-                </a:solidFill>
-                <a:latin typeface="Noto Sans Egyptian Hieroglyphs"/>
-                <a:cs typeface="Noto Sans Lao UI"/>
-              </a:rPr>
-              <a:t>w</a:t>
-            </a:r>
-            <a:r>
-              <a:rPr b="0" sz="2800" lang="en-US">
-                <a:solidFill>
-                  <a:srgbClr val="0070C0"/>
-                </a:solidFill>
-                <a:latin typeface="Noto Sans Egyptian Hieroglyphs"/>
-                <a:cs typeface="Noto Sans Lao UI"/>
-              </a:rPr>
-              <a:t>i</a:t>
-            </a:r>
-            <a:r>
-              <a:rPr b="0" sz="2800" lang="en-US">
-                <a:solidFill>
-                  <a:srgbClr val="0070C0"/>
-                </a:solidFill>
-                <a:latin typeface="Noto Sans Egyptian Hieroglyphs"/>
-                <a:cs typeface="Noto Sans Lao UI"/>
-              </a:rPr>
-              <a:t>t</a:t>
-            </a:r>
-            <a:r>
-              <a:rPr b="0" sz="2800" lang="en-US">
-                <a:solidFill>
-                  <a:srgbClr val="0070C0"/>
-                </a:solidFill>
-                <a:latin typeface="Noto Sans Egyptian Hieroglyphs"/>
-                <a:cs typeface="Noto Sans Lao UI"/>
-              </a:rPr>
-              <a:t>h</a:t>
-            </a:r>
-            <a:r>
-              <a:rPr b="0" sz="2800" lang="en-US">
-                <a:solidFill>
-                  <a:srgbClr val="0070C0"/>
-                </a:solidFill>
-                <a:latin typeface="Noto Sans Egyptian Hieroglyphs"/>
-                <a:cs typeface="Noto Sans Lao UI"/>
-              </a:rPr>
-              <a:t> </a:t>
-            </a:r>
-            <a:r>
-              <a:rPr b="0" sz="2800" lang="en-US">
-                <a:solidFill>
-                  <a:srgbClr val="0070C0"/>
-                </a:solidFill>
-                <a:latin typeface="Noto Sans Egyptian Hieroglyphs"/>
-                <a:cs typeface="Noto Sans Lao UI"/>
-              </a:rPr>
-              <a:t>f</a:t>
-            </a:r>
-            <a:r>
-              <a:rPr b="0" sz="2800" lang="en-US">
-                <a:solidFill>
-                  <a:srgbClr val="0070C0"/>
-                </a:solidFill>
-                <a:latin typeface="Noto Sans Egyptian Hieroglyphs"/>
-                <a:cs typeface="Noto Sans Lao UI"/>
-              </a:rPr>
-              <a:t>u</a:t>
-            </a:r>
-            <a:r>
-              <a:rPr b="0" sz="2800" lang="en-US">
-                <a:solidFill>
-                  <a:srgbClr val="0070C0"/>
-                </a:solidFill>
-                <a:latin typeface="Noto Sans Egyptian Hieroglyphs"/>
-                <a:cs typeface="Noto Sans Lao UI"/>
-              </a:rPr>
-              <a:t>l</a:t>
-            </a:r>
-            <a:r>
-              <a:rPr b="0" sz="2800" lang="en-US">
-                <a:solidFill>
-                  <a:srgbClr val="0070C0"/>
-                </a:solidFill>
-                <a:latin typeface="Noto Sans Egyptian Hieroglyphs"/>
-                <a:cs typeface="Noto Sans Lao UI"/>
-              </a:rPr>
-              <a:t>l</a:t>
-            </a:r>
-            <a:r>
-              <a:rPr b="0" sz="2800" lang="en-US">
-                <a:solidFill>
-                  <a:srgbClr val="0070C0"/>
-                </a:solidFill>
-                <a:latin typeface="Noto Sans Egyptian Hieroglyphs"/>
-                <a:cs typeface="Noto Sans Lao UI"/>
-              </a:rPr>
-              <a:t> </a:t>
-            </a:r>
-            <a:r>
-              <a:rPr b="0" sz="2800" lang="en-US">
-                <a:solidFill>
-                  <a:srgbClr val="0070C0"/>
-                </a:solidFill>
-                <a:latin typeface="Noto Sans Egyptian Hieroglyphs"/>
-                <a:cs typeface="Noto Sans Lao UI"/>
-              </a:rPr>
-              <a:t>m</a:t>
-            </a:r>
-            <a:r>
-              <a:rPr b="0" sz="2800" lang="en-US">
-                <a:solidFill>
-                  <a:srgbClr val="0070C0"/>
-                </a:solidFill>
-                <a:latin typeface="Noto Sans Egyptian Hieroglyphs"/>
-                <a:cs typeface="Noto Sans Lao UI"/>
-              </a:rPr>
-              <a:t>e</a:t>
-            </a:r>
-            <a:r>
-              <a:rPr b="0" sz="2800" lang="en-US">
-                <a:solidFill>
-                  <a:srgbClr val="0070C0"/>
-                </a:solidFill>
-                <a:latin typeface="Noto Sans Egyptian Hieroglyphs"/>
-                <a:cs typeface="Noto Sans Lao UI"/>
-              </a:rPr>
-              <a:t>e</a:t>
-            </a:r>
-            <a:r>
-              <a:rPr b="0" sz="2800" lang="en-US">
-                <a:solidFill>
-                  <a:srgbClr val="0070C0"/>
-                </a:solidFill>
-                <a:latin typeface="Noto Sans Egyptian Hieroglyphs"/>
-                <a:cs typeface="Noto Sans Lao UI"/>
-              </a:rPr>
-              <a:t>t</a:t>
-            </a:r>
-            <a:r>
-              <a:rPr b="0" sz="2800" lang="en-US">
-                <a:solidFill>
-                  <a:srgbClr val="0070C0"/>
-                </a:solidFill>
-                <a:latin typeface="Noto Sans Egyptian Hieroglyphs"/>
-                <a:cs typeface="Noto Sans Lao UI"/>
-              </a:rPr>
-              <a:t>s</a:t>
-            </a:r>
-            <a:r>
-              <a:rPr b="0" sz="2800" lang="en-US">
-                <a:solidFill>
-                  <a:srgbClr val="0070C0"/>
-                </a:solidFill>
-                <a:latin typeface="Noto Sans Egyptian Hieroglyphs"/>
-                <a:cs typeface="Noto Sans Lao UI"/>
-              </a:rPr>
-              <a:t> </a:t>
-            </a:r>
-            <a:r>
-              <a:rPr b="0" sz="2800" lang="en-US">
-                <a:solidFill>
-                  <a:srgbClr val="0070C0"/>
-                </a:solidFill>
-                <a:latin typeface="Noto Sans Egyptian Hieroglyphs"/>
-                <a:cs typeface="Noto Sans Lao UI"/>
-              </a:rPr>
-              <a:t>2</a:t>
-            </a:r>
-            <a:r>
-              <a:rPr b="0" sz="2800" lang="en-US">
-                <a:solidFill>
-                  <a:srgbClr val="0070C0"/>
-                </a:solidFill>
-                <a:latin typeface="Noto Sans Egyptian Hieroglyphs"/>
-                <a:cs typeface="Noto Sans Lao UI"/>
-              </a:rPr>
-              <a:t>6</a:t>
-            </a:r>
-            <a:r>
-              <a:rPr b="0" sz="2800" lang="en-US">
-                <a:solidFill>
-                  <a:srgbClr val="0070C0"/>
-                </a:solidFill>
-                <a:latin typeface="Noto Sans Egyptian Hieroglyphs"/>
-                <a:cs typeface="Noto Sans Lao UI"/>
-              </a:rPr>
-              <a:t>4</a:t>
-            </a:r>
-            <a:r>
-              <a:rPr b="0" sz="2800" lang="en-US">
-                <a:solidFill>
-                  <a:srgbClr val="0070C0"/>
-                </a:solidFill>
-                <a:latin typeface="Noto Sans Egyptian Hieroglyphs"/>
-                <a:cs typeface="Noto Sans Lao UI"/>
-              </a:rPr>
-              <a:t>2</a:t>
-            </a:r>
-            <a:r>
-              <a:rPr b="0" sz="2800" lang="en-US">
-                <a:solidFill>
-                  <a:srgbClr val="0070C0"/>
-                </a:solidFill>
-                <a:latin typeface="Noto Sans Egyptian Hieroglyphs"/>
-                <a:cs typeface="Noto Sans Lao UI"/>
-              </a:rPr>
-              <a:t> </a:t>
-            </a:r>
-            <a:r>
-              <a:rPr b="0" sz="2800" lang="en-US">
-                <a:solidFill>
-                  <a:srgbClr val="0070C0"/>
-                </a:solidFill>
-                <a:latin typeface="Noto Sans Egyptian Hieroglyphs"/>
-                <a:cs typeface="Noto Sans Lao UI"/>
-              </a:rPr>
-              <a:t>I</a:t>
-            </a:r>
-            <a:r>
-              <a:rPr b="0" sz="2800" lang="en-US">
-                <a:solidFill>
-                  <a:srgbClr val="0070C0"/>
-                </a:solidFill>
-                <a:latin typeface="Noto Sans Egyptian Hieroglyphs"/>
-                <a:cs typeface="Noto Sans Lao UI"/>
-              </a:rPr>
-              <a:t>n</a:t>
-            </a:r>
-            <a:r>
-              <a:rPr b="0" sz="2800" lang="en-US">
-                <a:solidFill>
-                  <a:srgbClr val="0070C0"/>
-                </a:solidFill>
-                <a:latin typeface="Noto Sans Egyptian Hieroglyphs"/>
-                <a:cs typeface="Noto Sans Lao UI"/>
-              </a:rPr>
-              <a:t>c</a:t>
-            </a:r>
-            <a:r>
-              <a:rPr b="0" sz="2800" lang="en-US">
-                <a:solidFill>
-                  <a:srgbClr val="0070C0"/>
-                </a:solidFill>
-                <a:latin typeface="Noto Sans Egyptian Hieroglyphs"/>
-                <a:cs typeface="Noto Sans Lao UI"/>
-              </a:rPr>
-              <a:t>o</a:t>
-            </a:r>
-            <a:r>
-              <a:rPr b="0" sz="2800" lang="en-US">
-                <a:solidFill>
-                  <a:srgbClr val="0070C0"/>
-                </a:solidFill>
-                <a:latin typeface="Noto Sans Egyptian Hieroglyphs"/>
-                <a:cs typeface="Noto Sans Lao UI"/>
-              </a:rPr>
-              <a:t>m</a:t>
-            </a:r>
-            <a:r>
-              <a:rPr b="0" sz="2800" lang="en-US">
-                <a:solidFill>
-                  <a:srgbClr val="0070C0"/>
-                </a:solidFill>
-                <a:latin typeface="Noto Sans Egyptian Hieroglyphs"/>
-                <a:cs typeface="Noto Sans Lao UI"/>
-              </a:rPr>
-              <a:t>e</a:t>
-            </a:r>
-            <a:r>
-              <a:rPr b="0" sz="2800" lang="en-US">
-                <a:solidFill>
-                  <a:srgbClr val="0070C0"/>
-                </a:solidFill>
-                <a:latin typeface="Noto Sans Egyptian Hieroglyphs"/>
-                <a:cs typeface="Noto Sans Lao UI"/>
-              </a:rPr>
-              <a:t> </a:t>
-            </a:r>
-            <a:r>
-              <a:rPr b="0" sz="2800" lang="en-US">
-                <a:solidFill>
-                  <a:srgbClr val="0070C0"/>
-                </a:solidFill>
-                <a:latin typeface="Noto Sans Egyptian Hieroglyphs"/>
-                <a:cs typeface="Noto Sans Lao UI"/>
-              </a:rPr>
-              <a:t>o</a:t>
-            </a:r>
-            <a:r>
-              <a:rPr b="0" sz="2800" lang="en-US">
-                <a:solidFill>
-                  <a:srgbClr val="0070C0"/>
-                </a:solidFill>
-                <a:latin typeface="Noto Sans Egyptian Hieroglyphs"/>
-                <a:cs typeface="Noto Sans Lao UI"/>
-              </a:rPr>
-              <a:t>t</a:t>
-            </a:r>
-            <a:r>
-              <a:rPr b="0" sz="2800" lang="en-US">
-                <a:solidFill>
-                  <a:srgbClr val="0070C0"/>
-                </a:solidFill>
-                <a:latin typeface="Noto Sans Egyptian Hieroglyphs"/>
-                <a:cs typeface="Noto Sans Lao UI"/>
-              </a:rPr>
-              <a:t>h</a:t>
-            </a:r>
-            <a:r>
-              <a:rPr b="0" sz="2800" lang="en-US">
-                <a:solidFill>
-                  <a:srgbClr val="0070C0"/>
-                </a:solidFill>
-                <a:latin typeface="Noto Sans Egyptian Hieroglyphs"/>
-                <a:cs typeface="Noto Sans Lao UI"/>
-              </a:rPr>
-              <a:t>e</a:t>
-            </a:r>
-            <a:r>
-              <a:rPr b="0" sz="2800" lang="en-US">
-                <a:solidFill>
-                  <a:srgbClr val="0070C0"/>
-                </a:solidFill>
-                <a:latin typeface="Noto Sans Egyptian Hieroglyphs"/>
-                <a:cs typeface="Noto Sans Lao UI"/>
-              </a:rPr>
-              <a:t>r</a:t>
-            </a:r>
-            <a:r>
-              <a:rPr b="0" sz="2800" lang="en-US">
-                <a:solidFill>
-                  <a:srgbClr val="0070C0"/>
-                </a:solidFill>
-                <a:latin typeface="Noto Sans Egyptian Hieroglyphs"/>
-                <a:cs typeface="Noto Sans Lao UI"/>
-              </a:rPr>
-              <a:t> </a:t>
-            </a:r>
-            <a:r>
-              <a:rPr b="0" sz="2800" lang="en-US">
-                <a:solidFill>
-                  <a:srgbClr val="0070C0"/>
-                </a:solidFill>
-                <a:latin typeface="Noto Sans Egyptian Hieroglyphs"/>
-                <a:cs typeface="Noto Sans Lao UI"/>
-              </a:rPr>
-              <a:t>t</a:t>
-            </a:r>
-            <a:r>
-              <a:rPr b="0" sz="2800" lang="en-US">
-                <a:solidFill>
-                  <a:srgbClr val="0070C0"/>
-                </a:solidFill>
-                <a:latin typeface="Noto Sans Egyptian Hieroglyphs"/>
-                <a:cs typeface="Noto Sans Lao UI"/>
-              </a:rPr>
-              <a:t>h</a:t>
-            </a:r>
-            <a:r>
-              <a:rPr b="0" sz="2800" lang="en-US">
-                <a:solidFill>
-                  <a:srgbClr val="0070C0"/>
-                </a:solidFill>
-                <a:latin typeface="Noto Sans Egyptian Hieroglyphs"/>
-                <a:cs typeface="Noto Sans Lao UI"/>
-              </a:rPr>
-              <a:t>e</a:t>
-            </a:r>
-            <a:r>
-              <a:rPr b="0" sz="2800" lang="en-US">
-                <a:solidFill>
-                  <a:srgbClr val="0070C0"/>
-                </a:solidFill>
-                <a:latin typeface="Noto Sans Egyptian Hieroglyphs"/>
-                <a:cs typeface="Noto Sans Lao UI"/>
-              </a:rPr>
-              <a:t>n</a:t>
-            </a:r>
-            <a:r>
-              <a:rPr b="0" sz="2800" lang="en-US">
-                <a:solidFill>
-                  <a:srgbClr val="0070C0"/>
-                </a:solidFill>
-                <a:latin typeface="Noto Sans Egyptian Hieroglyphs"/>
-                <a:cs typeface="Noto Sans Lao UI"/>
-              </a:rPr>
-              <a:t> </a:t>
-            </a:r>
-            <a:r>
-              <a:rPr b="0" sz="2800" lang="en-US">
-                <a:solidFill>
-                  <a:srgbClr val="0070C0"/>
-                </a:solidFill>
-                <a:latin typeface="Noto Sans Egyptian Hieroglyphs"/>
-                <a:cs typeface="Noto Sans Lao UI"/>
-              </a:rPr>
-              <a:t> </a:t>
-            </a:r>
-            <a:r>
-              <a:rPr b="0" sz="2800" lang="en-US">
-                <a:solidFill>
-                  <a:srgbClr val="0070C0"/>
-                </a:solidFill>
-                <a:latin typeface="Noto Sans Egyptian Hieroglyphs"/>
-                <a:cs typeface="Noto Sans Lao UI"/>
-              </a:rPr>
-              <a:t>w</a:t>
-            </a:r>
-            <a:r>
-              <a:rPr b="0" sz="2800" lang="en-US">
-                <a:solidFill>
-                  <a:srgbClr val="0070C0"/>
-                </a:solidFill>
-                <a:latin typeface="Noto Sans Egyptian Hieroglyphs"/>
-                <a:cs typeface="Noto Sans Lao UI"/>
-              </a:rPr>
-              <a:t>i</a:t>
-            </a:r>
-            <a:r>
-              <a:rPr b="0" sz="2800" lang="en-US">
-                <a:solidFill>
-                  <a:srgbClr val="0070C0"/>
-                </a:solidFill>
-                <a:latin typeface="Noto Sans Egyptian Hieroglyphs"/>
-                <a:cs typeface="Noto Sans Lao UI"/>
-              </a:rPr>
-              <a:t>l</a:t>
-            </a:r>
-            <a:r>
-              <a:rPr b="0" sz="2800" lang="en-US">
-                <a:solidFill>
-                  <a:srgbClr val="0070C0"/>
-                </a:solidFill>
-                <a:latin typeface="Noto Sans Egyptian Hieroglyphs"/>
-                <a:cs typeface="Noto Sans Lao UI"/>
-              </a:rPr>
-              <a:t>l</a:t>
-            </a:r>
-            <a:r>
-              <a:rPr b="0" sz="2800" lang="en-US">
-                <a:solidFill>
-                  <a:srgbClr val="0070C0"/>
-                </a:solidFill>
-                <a:latin typeface="Noto Sans Egyptian Hieroglyphs"/>
-                <a:cs typeface="Noto Sans Lao UI"/>
-              </a:rPr>
-              <a:t> </a:t>
-            </a:r>
-            <a:r>
-              <a:rPr b="0" sz="2800" lang="en-US">
-                <a:solidFill>
-                  <a:srgbClr val="0070C0"/>
-                </a:solidFill>
-                <a:latin typeface="Noto Sans Egyptian Hieroglyphs"/>
-                <a:cs typeface="Noto Sans Lao UI"/>
-              </a:rPr>
-              <a:t>a</a:t>
-            </a:r>
-            <a:r>
-              <a:rPr b="0" sz="2800" lang="en-US">
-                <a:solidFill>
-                  <a:srgbClr val="0070C0"/>
-                </a:solidFill>
-                <a:latin typeface="Noto Sans Egyptian Hieroglyphs"/>
-                <a:cs typeface="Noto Sans Lao UI"/>
-              </a:rPr>
-              <a:t>l</a:t>
-            </a:r>
-            <a:r>
-              <a:rPr b="0" sz="2800" lang="en-US">
-                <a:solidFill>
-                  <a:srgbClr val="0070C0"/>
-                </a:solidFill>
-                <a:latin typeface="Noto Sans Egyptian Hieroglyphs"/>
-                <a:cs typeface="Noto Sans Lao UI"/>
-              </a:rPr>
-              <a:t>l</a:t>
-            </a:r>
-            <a:r>
-              <a:rPr b="0" sz="2800" lang="en-US">
-                <a:solidFill>
-                  <a:srgbClr val="0070C0"/>
-                </a:solidFill>
-                <a:latin typeface="Noto Sans Egyptian Hieroglyphs"/>
-                <a:cs typeface="Noto Sans Lao UI"/>
-              </a:rPr>
-              <a:t> </a:t>
-            </a:r>
-            <a:r>
-              <a:rPr b="0" sz="2800" lang="en-US">
-                <a:solidFill>
-                  <a:srgbClr val="0070C0"/>
-                </a:solidFill>
-                <a:latin typeface="Noto Sans Egyptian Hieroglyphs"/>
-                <a:cs typeface="Noto Sans Lao UI"/>
-              </a:rPr>
-              <a:t>a</a:t>
-            </a:r>
-            <a:r>
-              <a:rPr b="0" sz="2800" lang="en-US">
-                <a:solidFill>
-                  <a:srgbClr val="0070C0"/>
-                </a:solidFill>
-                <a:latin typeface="Noto Sans Egyptian Hieroglyphs"/>
-                <a:cs typeface="Noto Sans Lao UI"/>
-              </a:rPr>
-              <a:t>r</a:t>
-            </a:r>
-            <a:r>
-              <a:rPr b="0" sz="2800" lang="en-US">
-                <a:solidFill>
-                  <a:srgbClr val="0070C0"/>
-                </a:solidFill>
-                <a:latin typeface="Noto Sans Egyptian Hieroglyphs"/>
-                <a:cs typeface="Noto Sans Lao UI"/>
-              </a:rPr>
-              <a:t>e</a:t>
-            </a:r>
-            <a:r>
-              <a:rPr b="0" sz="2800" lang="en-US">
-                <a:solidFill>
-                  <a:srgbClr val="0070C0"/>
-                </a:solidFill>
-                <a:latin typeface="Noto Sans Egyptian Hieroglyphs"/>
-                <a:cs typeface="Noto Sans Lao UI"/>
-              </a:rPr>
-              <a:t> </a:t>
-            </a:r>
-            <a:r>
-              <a:rPr b="0" sz="2800" lang="en-US">
-                <a:solidFill>
-                  <a:srgbClr val="0070C0"/>
-                </a:solidFill>
-                <a:latin typeface="Noto Sans Egyptian Hieroglyphs"/>
-                <a:cs typeface="Noto Sans Lao UI"/>
-              </a:rPr>
-              <a:t>d</a:t>
-            </a:r>
-            <a:r>
-              <a:rPr b="0" sz="2800" lang="en-US">
-                <a:solidFill>
-                  <a:srgbClr val="0070C0"/>
-                </a:solidFill>
-                <a:latin typeface="Noto Sans Egyptian Hieroglyphs"/>
-                <a:cs typeface="Noto Sans Lao UI"/>
-              </a:rPr>
-              <a:t>e</a:t>
-            </a:r>
-            <a:r>
-              <a:rPr b="0" sz="2800" lang="en-US">
-                <a:solidFill>
-                  <a:srgbClr val="0070C0"/>
-                </a:solidFill>
-                <a:latin typeface="Noto Sans Egyptian Hieroglyphs"/>
-                <a:cs typeface="Noto Sans Lao UI"/>
-              </a:rPr>
-              <a:t>c</a:t>
-            </a:r>
-            <a:r>
-              <a:rPr b="0" sz="2800" lang="en-US">
-                <a:solidFill>
-                  <a:srgbClr val="0070C0"/>
-                </a:solidFill>
-                <a:latin typeface="Noto Sans Egyptian Hieroglyphs"/>
-                <a:cs typeface="Noto Sans Lao UI"/>
-              </a:rPr>
-              <a:t>r</a:t>
-            </a:r>
-            <a:r>
-              <a:rPr b="0" sz="2800" lang="en-US">
-                <a:solidFill>
-                  <a:srgbClr val="0070C0"/>
-                </a:solidFill>
-                <a:latin typeface="Noto Sans Egyptian Hieroglyphs"/>
-                <a:cs typeface="Noto Sans Lao UI"/>
-              </a:rPr>
-              <a:t>ease</a:t>
             </a:r>
             <a:endParaRPr b="0" sz="2800" lang="en-IN">
               <a:solidFill>
-                <a:srgbClr val="0070C0"/>
+                <a:srgbClr val="000000"/>
               </a:solidFill>
               <a:latin typeface="Noto Sans Egyptian Hieroglyphs"/>
               <a:cs typeface="Noto Sans Lao UI"/>
@@ -5485,29 +8048,28 @@
       </p:sp>
       <p:graphicFrame>
         <p:nvGraphicFramePr>
-          <p:cNvPr id="4194306" name=""/>
+          <p:cNvPr id="4194305" name=""/>
           <p:cNvGraphicFramePr>
             <a:graphicFrameLocks/>
           </p:cNvGraphicFramePr>
           <p:nvPr/>
         </p:nvGraphicFramePr>
         <p:xfrm>
-          <a:off x="5263364" y="754061"/>
-          <a:ext cx="5638800" cy="1933721"/>
+          <a:off x="370200" y="1508960"/>
+          <a:ext cx="5916736" cy="2029024"/>
         </p:xfrm>
         <a:graphic>
           <a:graphicData uri="http://schemas.openxmlformats.org/drawingml/2006/table">
             <a:tbl>
               <a:tblPr/>
               <a:tblGrid>
-                <a:gridCol w="939800"/>
-                <a:gridCol w="939800"/>
-                <a:gridCol w="939800"/>
-                <a:gridCol w="939800"/>
-                <a:gridCol w="939800"/>
-                <a:gridCol w="939800"/>
+                <a:gridCol w="986122"/>
+                <a:gridCol w="986122"/>
+                <a:gridCol w="986122"/>
+                <a:gridCol w="986122"/>
+                <a:gridCol w="986122"/>
               </a:tblGrid>
-              <a:tr h="606915">
+              <a:tr h="636828">
                 <a:tc>
                   <a:txBody>
                     <a:bodyPr/>
@@ -5738,53 +8300,8 @@
                     </a:solidFill>
                   </a:tcPr>
                 </a:tc>
-                <a:tc>
-                  <a:txBody>
-                    <a:bodyPr/>
-                    <a:p>
-                      <a:pPr fontAlgn="ctr"/>
-                      <a:r>
-                        <a:rPr sz="1100">
-                          <a:solidFill>
-                            <a:srgbClr val="FFFFFF"/>
-                          </a:solidFill>
-                        </a:rPr>
-                        <a:t/>
-                      </a:r>
-                    </a:p>
-                  </a:txBody>
-                  <a:tcPr anchor="ctr">
-                    <a:lnL w="6350" cmpd="sng">
-                      <a:solidFill>
-                        <a:srgbClr val="FFFFFF"/>
-                      </a:solidFill>
-                      <a:prstDash val="solid"/>
-                    </a:lnL>
-                    <a:lnR w="6350" cmpd="sng">
-                      <a:solidFill>
-                        <a:srgbClr val="FFFFFF"/>
-                      </a:solidFill>
-                      <a:prstDash val="solid"/>
-                    </a:lnR>
-                    <a:lnT w="6350" cmpd="sng">
-                      <a:solidFill>
-                        <a:srgbClr val="FFFFFF"/>
-                      </a:solidFill>
-                      <a:prstDash val="solid"/>
-                    </a:lnT>
-                    <a:lnB w="6350" cmpd="sng">
-                      <a:solidFill>
-                        <a:srgbClr val="FFFFFF"/>
-                      </a:solidFill>
-                      <a:prstDash val="solid"/>
-                    </a:lnB>
-                    <a:solidFill>
-                      <a:srgbClr val="4F81BD"/>
-                    </a:solidFill>
-                  </a:tcPr>
-                </a:tc>
               </a:tr>
-              <a:tr h="265361">
+              <a:tr h="278439">
                 <a:tc>
                   <a:txBody>
                     <a:bodyPr/>
@@ -6015,53 +8532,8 @@
                     </a:solidFill>
                   </a:tcPr>
                 </a:tc>
-                <a:tc>
-                  <a:txBody>
-                    <a:bodyPr/>
-                    <a:p>
-                      <a:pPr fontAlgn="ctr"/>
-                      <a:r>
-                        <a:rPr sz="1100">
-                          <a:solidFill>
-                            <a:srgbClr val="000000"/>
-                          </a:solidFill>
-                        </a:rPr>
-                        <a:t/>
-                      </a:r>
-                    </a:p>
-                  </a:txBody>
-                  <a:tcPr anchor="ctr">
-                    <a:lnL w="6350" cmpd="sng">
-                      <a:solidFill>
-                        <a:srgbClr val="FFFFFF"/>
-                      </a:solidFill>
-                      <a:prstDash val="solid"/>
-                    </a:lnL>
-                    <a:lnR w="6350" cmpd="sng">
-                      <a:solidFill>
-                        <a:srgbClr val="FFFFFF"/>
-                      </a:solidFill>
-                      <a:prstDash val="solid"/>
-                    </a:lnR>
-                    <a:lnT w="6350" cmpd="sng">
-                      <a:solidFill>
-                        <a:srgbClr val="FFFFFF"/>
-                      </a:solidFill>
-                      <a:prstDash val="solid"/>
-                    </a:lnT>
-                    <a:lnB w="6350" cmpd="sng">
-                      <a:solidFill>
-                        <a:srgbClr val="FFFFFF"/>
-                      </a:solidFill>
-                      <a:prstDash val="solid"/>
-                    </a:lnB>
-                    <a:solidFill>
-                      <a:srgbClr val="E9EDF4"/>
-                    </a:solidFill>
-                  </a:tcPr>
-                </a:tc>
               </a:tr>
-              <a:tr h="265361">
+              <a:tr h="278439">
                 <a:tc>
                   <a:txBody>
                     <a:bodyPr/>
@@ -6292,53 +8764,8 @@
                     </a:solidFill>
                   </a:tcPr>
                 </a:tc>
-                <a:tc>
-                  <a:txBody>
-                    <a:bodyPr/>
-                    <a:p>
-                      <a:pPr fontAlgn="ctr"/>
-                      <a:r>
-                        <a:rPr sz="1100">
-                          <a:solidFill>
-                            <a:srgbClr val="000000"/>
-                          </a:solidFill>
-                        </a:rPr>
-                        <a:t/>
-                      </a:r>
-                    </a:p>
-                  </a:txBody>
-                  <a:tcPr anchor="ctr">
-                    <a:lnL w="6350" cmpd="sng">
-                      <a:solidFill>
-                        <a:srgbClr val="FFFFFF"/>
-                      </a:solidFill>
-                      <a:prstDash val="solid"/>
-                    </a:lnL>
-                    <a:lnR w="6350" cmpd="sng">
-                      <a:solidFill>
-                        <a:srgbClr val="FFFFFF"/>
-                      </a:solidFill>
-                      <a:prstDash val="solid"/>
-                    </a:lnR>
-                    <a:lnT w="6350" cmpd="sng">
-                      <a:solidFill>
-                        <a:srgbClr val="FFFFFF"/>
-                      </a:solidFill>
-                      <a:prstDash val="solid"/>
-                    </a:lnT>
-                    <a:lnB w="6350" cmpd="sng">
-                      <a:solidFill>
-                        <a:srgbClr val="FFFFFF"/>
-                      </a:solidFill>
-                      <a:prstDash val="solid"/>
-                    </a:lnB>
-                    <a:solidFill>
-                      <a:srgbClr val="E9EDF4"/>
-                    </a:solidFill>
-                  </a:tcPr>
-                </a:tc>
               </a:tr>
-              <a:tr h="265361">
+              <a:tr h="278439">
                 <a:tc>
                   <a:txBody>
                     <a:bodyPr/>
@@ -6569,53 +8996,8 @@
                     </a:solidFill>
                   </a:tcPr>
                 </a:tc>
-                <a:tc>
-                  <a:txBody>
-                    <a:bodyPr/>
-                    <a:p>
-                      <a:pPr fontAlgn="ctr"/>
-                      <a:r>
-                        <a:rPr sz="1100">
-                          <a:solidFill>
-                            <a:srgbClr val="000000"/>
-                          </a:solidFill>
-                        </a:rPr>
-                        <a:t/>
-                      </a:r>
-                    </a:p>
-                  </a:txBody>
-                  <a:tcPr anchor="ctr">
-                    <a:lnL w="6350" cmpd="sng">
-                      <a:solidFill>
-                        <a:srgbClr val="FFFFFF"/>
-                      </a:solidFill>
-                      <a:prstDash val="solid"/>
-                    </a:lnL>
-                    <a:lnR w="6350" cmpd="sng">
-                      <a:solidFill>
-                        <a:srgbClr val="FFFFFF"/>
-                      </a:solidFill>
-                      <a:prstDash val="solid"/>
-                    </a:lnR>
-                    <a:lnT w="6350" cmpd="sng">
-                      <a:solidFill>
-                        <a:srgbClr val="FFFFFF"/>
-                      </a:solidFill>
-                      <a:prstDash val="solid"/>
-                    </a:lnT>
-                    <a:lnB w="6350" cmpd="sng">
-                      <a:solidFill>
-                        <a:srgbClr val="FFFFFF"/>
-                      </a:solidFill>
-                      <a:prstDash val="solid"/>
-                    </a:lnB>
-                    <a:solidFill>
-                      <a:srgbClr val="E9EDF4"/>
-                    </a:solidFill>
-                  </a:tcPr>
-                </a:tc>
               </a:tr>
-              <a:tr h="265361">
+              <a:tr h="278439">
                 <a:tc>
                   <a:txBody>
                     <a:bodyPr/>
@@ -6846,53 +9228,8 @@
                     </a:solidFill>
                   </a:tcPr>
                 </a:tc>
-                <a:tc>
-                  <a:txBody>
-                    <a:bodyPr/>
-                    <a:p>
-                      <a:pPr fontAlgn="ctr"/>
-                      <a:r>
-                        <a:rPr sz="1100">
-                          <a:solidFill>
-                            <a:srgbClr val="000000"/>
-                          </a:solidFill>
-                        </a:rPr>
-                        <a:t/>
-                      </a:r>
-                    </a:p>
-                  </a:txBody>
-                  <a:tcPr anchor="ctr">
-                    <a:lnL w="6350" cmpd="sng">
-                      <a:solidFill>
-                        <a:srgbClr val="FFFFFF"/>
-                      </a:solidFill>
-                      <a:prstDash val="solid"/>
-                    </a:lnL>
-                    <a:lnR w="6350" cmpd="sng">
-                      <a:solidFill>
-                        <a:srgbClr val="FFFFFF"/>
-                      </a:solidFill>
-                      <a:prstDash val="solid"/>
-                    </a:lnR>
-                    <a:lnT w="6350" cmpd="sng">
-                      <a:solidFill>
-                        <a:srgbClr val="FFFFFF"/>
-                      </a:solidFill>
-                      <a:prstDash val="solid"/>
-                    </a:lnT>
-                    <a:lnB w="6350" cmpd="sng">
-                      <a:solidFill>
-                        <a:srgbClr val="FFFFFF"/>
-                      </a:solidFill>
-                      <a:prstDash val="solid"/>
-                    </a:lnB>
-                    <a:solidFill>
-                      <a:srgbClr val="E9EDF4"/>
-                    </a:solidFill>
-                  </a:tcPr>
-                </a:tc>
               </a:tr>
-              <a:tr h="265361">
+              <a:tr h="278439">
                 <a:tc>
                   <a:txBody>
                     <a:bodyPr/>
@@ -7094,51 +9431,6 @@
                     </a:p>
                   </a:txBody>
                   <a:tcPr anchor="b">
-                    <a:lnL w="6350" cmpd="sng">
-                      <a:solidFill>
-                        <a:srgbClr val="FFFFFF"/>
-                      </a:solidFill>
-                      <a:prstDash val="solid"/>
-                    </a:lnL>
-                    <a:lnR w="6350" cmpd="sng">
-                      <a:solidFill>
-                        <a:srgbClr val="FFFFFF"/>
-                      </a:solidFill>
-                      <a:prstDash val="solid"/>
-                    </a:lnR>
-                    <a:lnT w="6350" cmpd="sng">
-                      <a:solidFill>
-                        <a:srgbClr val="FFFFFF"/>
-                      </a:solidFill>
-                      <a:prstDash val="solid"/>
-                    </a:lnT>
-                    <a:lnB w="6350" cmpd="sng">
-                      <a:solidFill>
-                        <a:srgbClr val="FFFFFF"/>
-                      </a:solidFill>
-                      <a:prstDash val="solid"/>
-                    </a:lnB>
-                    <a:solidFill>
-                      <a:srgbClr val="E9EDF4"/>
-                    </a:solidFill>
-                  </a:tcPr>
-                </a:tc>
-                <a:tc>
-                  <a:txBody>
-                    <a:bodyPr/>
-                    <a:p>
-                      <a:pPr fontAlgn="ctr"/>
-                      <a:r>
-                        <a:rPr sz="1100">
-                          <a:solidFill>
-                            <a:srgbClr val="000000"/>
-                          </a:solidFill>
-                        </a:rPr>
-                        <a:t/>
-                      </a:r>
-                    </a:p>
-                  </a:txBody>
-                  <a:tcPr anchor="ctr">
                     <a:lnL w="6350" cmpd="sng">
                       <a:solidFill>
                         <a:srgbClr val="FFFFFF"/>
